--- a/presentacion final/presentacion_video_10.pptx
+++ b/presentacion final/presentacion_video_10.pptx
@@ -7,7 +7,10 @@
   <p:sldIdLst>
     <p:sldId id="256" r:id="rId2"/>
     <p:sldId id="258" r:id="rId3"/>
-    <p:sldId id="260" r:id="rId4"/>
+    <p:sldId id="261" r:id="rId4"/>
+    <p:sldId id="262" r:id="rId5"/>
+    <p:sldId id="263" r:id="rId6"/>
+    <p:sldId id="264" r:id="rId7"/>
   </p:sldIdLst>
   <p:sldSz cx="12192000" cy="6858000"/>
   <p:notesSz cx="6858000" cy="9144000"/>
@@ -106,6 +109,11 @@
       </a:defRPr>
     </a:lvl9pPr>
   </p:defaultTextStyle>
+  <p:extLst>
+    <p:ext uri="{EFAFB233-063F-42B5-8137-9DF3F51BA10A}">
+      <p15:sldGuideLst xmlns:p15="http://schemas.microsoft.com/office/powerpoint/2012/main"/>
+    </p:ext>
+  </p:extLst>
 </p:presentation>
 </file>
 
@@ -353,7 +361,7 @@
           <a:p>
             <a:fld id="{9184DA70-C731-4C70-880D-CCD4705E623C}" type="datetime1">
               <a:rPr lang="en-US" smtClean="0"/>
-              <a:t>6/26/2024</a:t>
+              <a:t>6/27/2024</a:t>
             </a:fld>
             <a:endParaRPr lang="en-US" dirty="0"/>
           </a:p>
@@ -541,7 +549,7 @@
           <a:p>
             <a:fld id="{B612A279-0833-481D-8C56-F67FD0AC6C50}" type="datetime1">
               <a:rPr lang="en-US" smtClean="0"/>
-              <a:t>6/26/2024</a:t>
+              <a:t>6/27/2024</a:t>
             </a:fld>
             <a:endParaRPr lang="en-US" dirty="0"/>
           </a:p>
@@ -783,7 +791,7 @@
           <a:p>
             <a:fld id="{6587DA83-5663-4C9C-B9AA-0B40A3DAFF81}" type="datetime1">
               <a:rPr lang="en-US" smtClean="0"/>
-              <a:t>6/26/2024</a:t>
+              <a:t>6/27/2024</a:t>
             </a:fld>
             <a:endParaRPr lang="en-US" dirty="0"/>
           </a:p>
@@ -971,7 +979,7 @@
           <a:p>
             <a:fld id="{4BE1D723-8F53-4F53-90B0-1982A396982E}" type="datetime1">
               <a:rPr lang="en-US" smtClean="0"/>
-              <a:t>6/26/2024</a:t>
+              <a:t>6/27/2024</a:t>
             </a:fld>
             <a:endParaRPr lang="en-US" dirty="0"/>
           </a:p>
@@ -1344,7 +1352,7 @@
           <a:p>
             <a:fld id="{97669AF7-7BEB-44E4-9852-375E34362B5B}" type="datetime1">
               <a:rPr lang="en-US" smtClean="0"/>
-              <a:t>6/26/2024</a:t>
+              <a:t>6/27/2024</a:t>
             </a:fld>
             <a:endParaRPr lang="en-US" dirty="0"/>
           </a:p>
@@ -1599,7 +1607,7 @@
           <a:p>
             <a:fld id="{BAAAC38D-0552-4C82-B593-E6124DFADBE2}" type="datetime1">
               <a:rPr lang="en-US" smtClean="0"/>
-              <a:t>6/26/2024</a:t>
+              <a:t>6/27/2024</a:t>
             </a:fld>
             <a:endParaRPr lang="en-US" dirty="0"/>
           </a:p>
@@ -1996,7 +2004,7 @@
           <a:p>
             <a:fld id="{D9DF0F1C-5577-4ACB-BB62-DF8F3C494C7E}" type="datetime1">
               <a:rPr lang="en-US" smtClean="0"/>
-              <a:t>6/26/2024</a:t>
+              <a:t>6/27/2024</a:t>
             </a:fld>
             <a:endParaRPr lang="en-US" dirty="0"/>
           </a:p>
@@ -2132,7 +2140,7 @@
           <a:p>
             <a:fld id="{1775B394-D9F9-4F0C-B15D-605F45CB9E9F}" type="datetime1">
               <a:rPr lang="en-US" smtClean="0"/>
-              <a:t>6/26/2024</a:t>
+              <a:t>6/27/2024</a:t>
             </a:fld>
             <a:endParaRPr lang="en-US" dirty="0"/>
           </a:p>
@@ -2289,7 +2297,7 @@
           <a:p>
             <a:fld id="{39667345-2558-425A-8533-9BFDBCE15005}" type="datetime1">
               <a:rPr lang="en-US" smtClean="0"/>
-              <a:t>6/26/2024</a:t>
+              <a:t>6/27/2024</a:t>
             </a:fld>
             <a:endParaRPr lang="en-US" dirty="0"/>
           </a:p>
@@ -2618,7 +2626,7 @@
           <a:p>
             <a:fld id="{92BEA474-078D-4E9B-9B14-09A87B19DC46}" type="datetime1">
               <a:rPr lang="en-US" smtClean="0"/>
-              <a:t>6/26/2024</a:t>
+              <a:t>6/27/2024</a:t>
             </a:fld>
             <a:endParaRPr lang="en-US" dirty="0"/>
           </a:p>
@@ -2968,7 +2976,7 @@
           <a:p>
             <a:fld id="{4907D986-8816-4272-A432-0437A28A9828}" type="datetime1">
               <a:rPr lang="en-US" smtClean="0"/>
-              <a:t>6/26/2024</a:t>
+              <a:t>6/27/2024</a:t>
             </a:fld>
             <a:endParaRPr lang="en-US" dirty="0"/>
           </a:p>
@@ -3229,7 +3237,7 @@
           <a:p>
             <a:fld id="{62D6E202-B606-4609-B914-27C9371A1F6D}" type="datetime1">
               <a:rPr lang="en-US" smtClean="0"/>
-              <a:t>6/26/2024</a:t>
+              <a:t>6/27/2024</a:t>
             </a:fld>
             <a:endParaRPr lang="en-US" dirty="0"/>
           </a:p>
@@ -4425,7 +4433,7 @@
                   <a:srgbClr val="FFFFFF"/>
                 </a:solidFill>
               </a:rPr>
-              <a:t> es Lidar Toolbox?</a:t>
+              <a:t> es Lidar?</a:t>
             </a:r>
           </a:p>
           <a:p>
@@ -4820,6 +4828,294 @@
           </a:prstGeom>
         </p:spPr>
       </p:pic>
+      <p:sp>
+        <p:nvSpPr>
+          <p:cNvPr id="4" name="Marcador de contenido 2">
+            <a:extLst>
+              <a:ext uri="{FF2B5EF4-FFF2-40B4-BE49-F238E27FC236}">
+                <a16:creationId xmlns:a16="http://schemas.microsoft.com/office/drawing/2014/main" id="{D1A2DD71-A0F6-230F-D6E3-D3044720E59C}"/>
+              </a:ext>
+            </a:extLst>
+          </p:cNvPr>
+          <p:cNvSpPr txBox="1">
+            <a:spLocks/>
+          </p:cNvSpPr>
+          <p:nvPr/>
+        </p:nvSpPr>
+        <p:spPr>
+          <a:xfrm>
+            <a:off x="88929" y="6478802"/>
+            <a:ext cx="3005462" cy="389959"/>
+          </a:xfrm>
+          <a:prstGeom prst="rect">
+            <a:avLst/>
+          </a:prstGeom>
+        </p:spPr>
+        <p:txBody>
+          <a:bodyPr vert="horz" lIns="0" tIns="45720" rIns="0" bIns="45720" rtlCol="0">
+            <a:normAutofit lnSpcReduction="10000"/>
+          </a:bodyPr>
+          <a:lstStyle>
+            <a:lvl1pPr marL="91440" indent="-91440" algn="l" defTabSz="914400" rtl="0" eaLnBrk="1" latinLnBrk="0" hangingPunct="1">
+              <a:lnSpc>
+                <a:spcPct val="100000"/>
+              </a:lnSpc>
+              <a:spcBef>
+                <a:spcPts val="1200"/>
+              </a:spcBef>
+              <a:spcAft>
+                <a:spcPts val="200"/>
+              </a:spcAft>
+              <a:buClr>
+                <a:schemeClr val="accent1"/>
+              </a:buClr>
+              <a:buSzPct val="100000"/>
+              <a:buFont typeface="Calibri" panose="020F0502020204030204" pitchFamily="34" charset="0"/>
+              <a:buChar char=" "/>
+              <a:defRPr sz="2000" kern="1200">
+                <a:solidFill>
+                  <a:schemeClr val="tx1">
+                    <a:lumMod val="75000"/>
+                    <a:lumOff val="25000"/>
+                  </a:schemeClr>
+                </a:solidFill>
+                <a:latin typeface="+mn-lt"/>
+                <a:ea typeface="+mn-ea"/>
+                <a:cs typeface="+mn-cs"/>
+              </a:defRPr>
+            </a:lvl1pPr>
+            <a:lvl2pPr marL="384048" indent="-182880" algn="l" defTabSz="914400" rtl="0" eaLnBrk="1" latinLnBrk="0" hangingPunct="1">
+              <a:lnSpc>
+                <a:spcPct val="100000"/>
+              </a:lnSpc>
+              <a:spcBef>
+                <a:spcPts val="200"/>
+              </a:spcBef>
+              <a:spcAft>
+                <a:spcPts val="400"/>
+              </a:spcAft>
+              <a:buClrTx/>
+              <a:buFont typeface="Calibri" pitchFamily="34" charset="0"/>
+              <a:buChar char="◦"/>
+              <a:defRPr sz="1800" kern="1200">
+                <a:solidFill>
+                  <a:schemeClr val="tx1">
+                    <a:lumMod val="75000"/>
+                    <a:lumOff val="25000"/>
+                  </a:schemeClr>
+                </a:solidFill>
+                <a:latin typeface="+mn-lt"/>
+                <a:ea typeface="+mn-ea"/>
+                <a:cs typeface="+mn-cs"/>
+              </a:defRPr>
+            </a:lvl2pPr>
+            <a:lvl3pPr marL="566928" indent="-182880" algn="l" defTabSz="914400" rtl="0" eaLnBrk="1" latinLnBrk="0" hangingPunct="1">
+              <a:lnSpc>
+                <a:spcPct val="100000"/>
+              </a:lnSpc>
+              <a:spcBef>
+                <a:spcPts val="200"/>
+              </a:spcBef>
+              <a:spcAft>
+                <a:spcPts val="400"/>
+              </a:spcAft>
+              <a:buClrTx/>
+              <a:buFont typeface="Calibri" pitchFamily="34" charset="0"/>
+              <a:buChar char="◦"/>
+              <a:defRPr sz="1400" kern="1200">
+                <a:solidFill>
+                  <a:schemeClr val="tx1">
+                    <a:lumMod val="75000"/>
+                    <a:lumOff val="25000"/>
+                  </a:schemeClr>
+                </a:solidFill>
+                <a:latin typeface="+mn-lt"/>
+                <a:ea typeface="+mn-ea"/>
+                <a:cs typeface="+mn-cs"/>
+              </a:defRPr>
+            </a:lvl3pPr>
+            <a:lvl4pPr marL="749808" indent="-182880" algn="l" defTabSz="914400" rtl="0" eaLnBrk="1" latinLnBrk="0" hangingPunct="1">
+              <a:lnSpc>
+                <a:spcPct val="100000"/>
+              </a:lnSpc>
+              <a:spcBef>
+                <a:spcPts val="200"/>
+              </a:spcBef>
+              <a:spcAft>
+                <a:spcPts val="400"/>
+              </a:spcAft>
+              <a:buClrTx/>
+              <a:buFont typeface="Calibri" pitchFamily="34" charset="0"/>
+              <a:buChar char="◦"/>
+              <a:defRPr sz="1400" kern="1200">
+                <a:solidFill>
+                  <a:schemeClr val="tx1">
+                    <a:lumMod val="75000"/>
+                    <a:lumOff val="25000"/>
+                  </a:schemeClr>
+                </a:solidFill>
+                <a:latin typeface="+mn-lt"/>
+                <a:ea typeface="+mn-ea"/>
+                <a:cs typeface="+mn-cs"/>
+              </a:defRPr>
+            </a:lvl4pPr>
+            <a:lvl5pPr marL="932688" indent="-182880" algn="l" defTabSz="914400" rtl="0" eaLnBrk="1" latinLnBrk="0" hangingPunct="1">
+              <a:lnSpc>
+                <a:spcPct val="100000"/>
+              </a:lnSpc>
+              <a:spcBef>
+                <a:spcPts val="200"/>
+              </a:spcBef>
+              <a:spcAft>
+                <a:spcPts val="400"/>
+              </a:spcAft>
+              <a:buClrTx/>
+              <a:buFont typeface="Calibri" pitchFamily="34" charset="0"/>
+              <a:buChar char="◦"/>
+              <a:defRPr sz="1400" kern="1200">
+                <a:solidFill>
+                  <a:schemeClr val="tx1">
+                    <a:lumMod val="75000"/>
+                    <a:lumOff val="25000"/>
+                  </a:schemeClr>
+                </a:solidFill>
+                <a:latin typeface="+mn-lt"/>
+                <a:ea typeface="+mn-ea"/>
+                <a:cs typeface="+mn-cs"/>
+              </a:defRPr>
+            </a:lvl5pPr>
+            <a:lvl6pPr marL="1100000" indent="-228600" algn="l" defTabSz="914400" rtl="0" eaLnBrk="1" latinLnBrk="0" hangingPunct="1">
+              <a:lnSpc>
+                <a:spcPct val="90000"/>
+              </a:lnSpc>
+              <a:spcBef>
+                <a:spcPts val="200"/>
+              </a:spcBef>
+              <a:spcAft>
+                <a:spcPts val="400"/>
+              </a:spcAft>
+              <a:buClr>
+                <a:schemeClr val="accent1"/>
+              </a:buClr>
+              <a:buFont typeface="Calibri" pitchFamily="34" charset="0"/>
+              <a:buChar char="◦"/>
+              <a:defRPr sz="1400" kern="1200">
+                <a:solidFill>
+                  <a:schemeClr val="tx1">
+                    <a:lumMod val="75000"/>
+                    <a:lumOff val="25000"/>
+                  </a:schemeClr>
+                </a:solidFill>
+                <a:latin typeface="+mn-lt"/>
+                <a:ea typeface="+mn-ea"/>
+                <a:cs typeface="+mn-cs"/>
+              </a:defRPr>
+            </a:lvl6pPr>
+            <a:lvl7pPr marL="1300000" indent="-228600" algn="l" defTabSz="914400" rtl="0" eaLnBrk="1" latinLnBrk="0" hangingPunct="1">
+              <a:lnSpc>
+                <a:spcPct val="90000"/>
+              </a:lnSpc>
+              <a:spcBef>
+                <a:spcPts val="200"/>
+              </a:spcBef>
+              <a:spcAft>
+                <a:spcPts val="400"/>
+              </a:spcAft>
+              <a:buClr>
+                <a:schemeClr val="accent1"/>
+              </a:buClr>
+              <a:buFont typeface="Calibri" pitchFamily="34" charset="0"/>
+              <a:buChar char="◦"/>
+              <a:defRPr sz="1400" kern="1200">
+                <a:solidFill>
+                  <a:schemeClr val="tx1">
+                    <a:lumMod val="75000"/>
+                    <a:lumOff val="25000"/>
+                  </a:schemeClr>
+                </a:solidFill>
+                <a:latin typeface="+mn-lt"/>
+                <a:ea typeface="+mn-ea"/>
+                <a:cs typeface="+mn-cs"/>
+              </a:defRPr>
+            </a:lvl7pPr>
+            <a:lvl8pPr marL="1500000" indent="-228600" algn="l" defTabSz="914400" rtl="0" eaLnBrk="1" latinLnBrk="0" hangingPunct="1">
+              <a:lnSpc>
+                <a:spcPct val="90000"/>
+              </a:lnSpc>
+              <a:spcBef>
+                <a:spcPts val="200"/>
+              </a:spcBef>
+              <a:spcAft>
+                <a:spcPts val="400"/>
+              </a:spcAft>
+              <a:buClr>
+                <a:schemeClr val="accent1"/>
+              </a:buClr>
+              <a:buFont typeface="Calibri" pitchFamily="34" charset="0"/>
+              <a:buChar char="◦"/>
+              <a:defRPr sz="1400" kern="1200">
+                <a:solidFill>
+                  <a:schemeClr val="tx1">
+                    <a:lumMod val="75000"/>
+                    <a:lumOff val="25000"/>
+                  </a:schemeClr>
+                </a:solidFill>
+                <a:latin typeface="+mn-lt"/>
+                <a:ea typeface="+mn-ea"/>
+                <a:cs typeface="+mn-cs"/>
+              </a:defRPr>
+            </a:lvl8pPr>
+            <a:lvl9pPr marL="1700000" indent="-228600" algn="l" defTabSz="914400" rtl="0" eaLnBrk="1" latinLnBrk="0" hangingPunct="1">
+              <a:lnSpc>
+                <a:spcPct val="90000"/>
+              </a:lnSpc>
+              <a:spcBef>
+                <a:spcPts val="200"/>
+              </a:spcBef>
+              <a:spcAft>
+                <a:spcPts val="400"/>
+              </a:spcAft>
+              <a:buClr>
+                <a:schemeClr val="accent1"/>
+              </a:buClr>
+              <a:buFont typeface="Calibri" pitchFamily="34" charset="0"/>
+              <a:buChar char="◦"/>
+              <a:defRPr sz="1400" kern="1200">
+                <a:solidFill>
+                  <a:schemeClr val="tx1">
+                    <a:lumMod val="75000"/>
+                    <a:lumOff val="25000"/>
+                  </a:schemeClr>
+                </a:solidFill>
+                <a:latin typeface="+mn-lt"/>
+                <a:ea typeface="+mn-ea"/>
+                <a:cs typeface="+mn-cs"/>
+              </a:defRPr>
+            </a:lvl9pPr>
+          </a:lstStyle>
+          <a:p>
+            <a:r>
+              <a:rPr lang="en-US" sz="1800" dirty="0">
+                <a:solidFill>
+                  <a:srgbClr val="FFFFFF"/>
+                </a:solidFill>
+              </a:rPr>
+              <a:t>1/N</a:t>
+            </a:r>
+          </a:p>
+          <a:p>
+            <a:pPr marL="0" indent="0">
+              <a:buFont typeface="Calibri" panose="020F0502020204030204" pitchFamily="34" charset="0"/>
+              <a:buNone/>
+            </a:pPr>
+            <a:endParaRPr lang="en-US" sz="1800" dirty="0">
+              <a:solidFill>
+                <a:srgbClr val="FFFFFF"/>
+              </a:solidFill>
+            </a:endParaRPr>
+          </a:p>
+        </p:txBody>
+      </p:sp>
     </p:spTree>
     <p:extLst>
       <p:ext uri="{BB962C8B-B14F-4D97-AF65-F5344CB8AC3E}">
@@ -4852,10 +5148,10 @@
       </p:grpSpPr>
       <p:sp>
         <p:nvSpPr>
-          <p:cNvPr id="3" name="Título 1">
+          <p:cNvPr id="2" name="Título 1">
             <a:extLst>
               <a:ext uri="{FF2B5EF4-FFF2-40B4-BE49-F238E27FC236}">
-                <a16:creationId xmlns:a16="http://schemas.microsoft.com/office/drawing/2014/main" id="{1447B8AE-47F7-BF1D-584A-EC270F99D73C}"/>
+                <a16:creationId xmlns:a16="http://schemas.microsoft.com/office/drawing/2014/main" id="{0FFF6AE4-6035-248B-965D-2C292D77982C}"/>
               </a:ext>
             </a:extLst>
           </p:cNvPr>
@@ -4866,7 +5162,7 @@
         </p:nvSpPr>
         <p:spPr>
           <a:xfrm>
-            <a:off x="757311" y="474172"/>
+            <a:off x="1097280" y="286603"/>
             <a:ext cx="10058400" cy="1450757"/>
           </a:xfrm>
           <a:prstGeom prst="rect">
@@ -4874,9 +5170,7 @@
           </a:prstGeom>
         </p:spPr>
         <p:txBody>
-          <a:bodyPr>
-            <a:normAutofit/>
-          </a:bodyPr>
+          <a:bodyPr/>
           <a:lstStyle>
             <a:lvl1pPr algn="l" defTabSz="914400" rtl="0" eaLnBrk="1" latinLnBrk="0" hangingPunct="1">
               <a:lnSpc>
@@ -4901,18 +5195,18 @@
           </a:lstStyle>
           <a:p>
             <a:r>
-              <a:rPr lang="es-CL" sz="2000" dirty="0"/>
-              <a:t>Marco Teórico</a:t>
-            </a:r>
-          </a:p>
-        </p:txBody>
-      </p:sp>
-      <p:sp>
-        <p:nvSpPr>
-          <p:cNvPr id="4" name="Marcador de contenido 2">
+              <a:rPr lang="es-CL" dirty="0"/>
+              <a:t>Marco teórico</a:t>
+            </a:r>
+          </a:p>
+        </p:txBody>
+      </p:sp>
+      <p:sp>
+        <p:nvSpPr>
+          <p:cNvPr id="3" name="Marcador de contenido 3">
             <a:extLst>
               <a:ext uri="{FF2B5EF4-FFF2-40B4-BE49-F238E27FC236}">
-                <a16:creationId xmlns:a16="http://schemas.microsoft.com/office/drawing/2014/main" id="{977D8960-9C86-0F0C-26AA-23374999F89B}"/>
+                <a16:creationId xmlns:a16="http://schemas.microsoft.com/office/drawing/2014/main" id="{F452BAB6-8729-4388-516B-25C8933BFE47}"/>
               </a:ext>
             </a:extLst>
           </p:cNvPr>
@@ -4923,17 +5217,15 @@
         </p:nvSpPr>
         <p:spPr>
           <a:xfrm>
-            <a:off x="947576" y="1555913"/>
-            <a:ext cx="2949426" cy="3760891"/>
+            <a:off x="715907" y="1275481"/>
+            <a:ext cx="10058399" cy="2910821"/>
           </a:xfrm>
           <a:prstGeom prst="rect">
             <a:avLst/>
           </a:prstGeom>
         </p:spPr>
         <p:txBody>
-          <a:bodyPr>
-            <a:normAutofit/>
-          </a:bodyPr>
+          <a:bodyPr/>
           <a:lstStyle>
             <a:lvl1pPr marL="91440" indent="-91440" algn="l" defTabSz="914400" rtl="0" eaLnBrk="1" latinLnBrk="0" hangingPunct="1">
               <a:lnSpc>
@@ -5174,34 +5466,22 @@
           </a:lstStyle>
           <a:p>
             <a:r>
-              <a:rPr lang="es-CL" sz="1400" dirty="0"/>
-              <a:t>Point </a:t>
-            </a:r>
-            <a:r>
-              <a:rPr lang="es-CL" sz="1400" dirty="0" err="1"/>
-              <a:t>cloud</a:t>
-            </a:r>
-            <a:r>
-              <a:rPr lang="es-CL" sz="1400" dirty="0"/>
-              <a:t>:  es una colección de puntos 3D en el espacio. Así como una imagen es el resultado de una cámara, una nube de puntos es el resultado de un sensor </a:t>
-            </a:r>
-            <a:r>
-              <a:rPr lang="es-CL" sz="1400" dirty="0" err="1"/>
-              <a:t>lidar</a:t>
-            </a:r>
-            <a:r>
-              <a:rPr lang="es-CL" sz="1400" dirty="0"/>
-              <a:t>.</a:t>
+              <a:rPr lang="es-CL" b="1" dirty="0"/>
+              <a:t>Point Cloud: </a:t>
+            </a:r>
+            <a:r>
+              <a:rPr lang="es-CL" dirty="0"/>
+              <a:t>Una nube de puntos es una colección de puntos 3D en el espacio. </a:t>
             </a:r>
           </a:p>
         </p:txBody>
       </p:sp>
       <p:pic>
         <p:nvPicPr>
-          <p:cNvPr id="5" name="Imagen 4" descr="Imagen que contiene tabla, hombre&#10;&#10;Descripción generada automáticamente">
+          <p:cNvPr id="4" name="Marcador de contenido 9" descr="Imagen que contiene tabla, hombre&#10;&#10;Descripción generada automáticamente">
             <a:extLst>
               <a:ext uri="{FF2B5EF4-FFF2-40B4-BE49-F238E27FC236}">
-                <a16:creationId xmlns:a16="http://schemas.microsoft.com/office/drawing/2014/main" id="{B3F83DFC-6511-F5A0-A9E5-86F88DC79656}"/>
+                <a16:creationId xmlns:a16="http://schemas.microsoft.com/office/drawing/2014/main" id="{B3C7FFE9-C8B5-B57A-3C6B-63E7F978AD7C}"/>
               </a:ext>
             </a:extLst>
           </p:cNvPr>
@@ -5224,20 +5504,984 @@
         </p:blipFill>
         <p:spPr>
           <a:xfrm>
-            <a:off x="883275" y="3006670"/>
-            <a:ext cx="2949426" cy="1781483"/>
+            <a:off x="2639124" y="1840527"/>
+            <a:ext cx="6913752" cy="4175975"/>
           </a:xfrm>
           <a:prstGeom prst="rect">
             <a:avLst/>
           </a:prstGeom>
         </p:spPr>
       </p:pic>
+      <p:sp>
+        <p:nvSpPr>
+          <p:cNvPr id="5" name="Marcador de contenido 2">
+            <a:extLst>
+              <a:ext uri="{FF2B5EF4-FFF2-40B4-BE49-F238E27FC236}">
+                <a16:creationId xmlns:a16="http://schemas.microsoft.com/office/drawing/2014/main" id="{AB16A915-277A-D17F-F6F1-E33A2DDD3259}"/>
+              </a:ext>
+            </a:extLst>
+          </p:cNvPr>
+          <p:cNvSpPr txBox="1">
+            <a:spLocks/>
+          </p:cNvSpPr>
+          <p:nvPr/>
+        </p:nvSpPr>
+        <p:spPr>
+          <a:xfrm>
+            <a:off x="88929" y="6478802"/>
+            <a:ext cx="3005462" cy="389959"/>
+          </a:xfrm>
+          <a:prstGeom prst="rect">
+            <a:avLst/>
+          </a:prstGeom>
+        </p:spPr>
+        <p:txBody>
+          <a:bodyPr vert="horz" lIns="0" tIns="45720" rIns="0" bIns="45720" rtlCol="0">
+            <a:normAutofit lnSpcReduction="10000"/>
+          </a:bodyPr>
+          <a:lstStyle>
+            <a:lvl1pPr marL="91440" indent="-91440" algn="l" defTabSz="914400" rtl="0" eaLnBrk="1" latinLnBrk="0" hangingPunct="1">
+              <a:lnSpc>
+                <a:spcPct val="100000"/>
+              </a:lnSpc>
+              <a:spcBef>
+                <a:spcPts val="1200"/>
+              </a:spcBef>
+              <a:spcAft>
+                <a:spcPts val="200"/>
+              </a:spcAft>
+              <a:buClr>
+                <a:schemeClr val="accent1"/>
+              </a:buClr>
+              <a:buSzPct val="100000"/>
+              <a:buFont typeface="Calibri" panose="020F0502020204030204" pitchFamily="34" charset="0"/>
+              <a:buChar char=" "/>
+              <a:defRPr sz="2000" kern="1200">
+                <a:solidFill>
+                  <a:schemeClr val="tx1">
+                    <a:lumMod val="75000"/>
+                    <a:lumOff val="25000"/>
+                  </a:schemeClr>
+                </a:solidFill>
+                <a:latin typeface="+mn-lt"/>
+                <a:ea typeface="+mn-ea"/>
+                <a:cs typeface="+mn-cs"/>
+              </a:defRPr>
+            </a:lvl1pPr>
+            <a:lvl2pPr marL="384048" indent="-182880" algn="l" defTabSz="914400" rtl="0" eaLnBrk="1" latinLnBrk="0" hangingPunct="1">
+              <a:lnSpc>
+                <a:spcPct val="100000"/>
+              </a:lnSpc>
+              <a:spcBef>
+                <a:spcPts val="200"/>
+              </a:spcBef>
+              <a:spcAft>
+                <a:spcPts val="400"/>
+              </a:spcAft>
+              <a:buClrTx/>
+              <a:buFont typeface="Calibri" pitchFamily="34" charset="0"/>
+              <a:buChar char="◦"/>
+              <a:defRPr sz="1800" kern="1200">
+                <a:solidFill>
+                  <a:schemeClr val="tx1">
+                    <a:lumMod val="75000"/>
+                    <a:lumOff val="25000"/>
+                  </a:schemeClr>
+                </a:solidFill>
+                <a:latin typeface="+mn-lt"/>
+                <a:ea typeface="+mn-ea"/>
+                <a:cs typeface="+mn-cs"/>
+              </a:defRPr>
+            </a:lvl2pPr>
+            <a:lvl3pPr marL="566928" indent="-182880" algn="l" defTabSz="914400" rtl="0" eaLnBrk="1" latinLnBrk="0" hangingPunct="1">
+              <a:lnSpc>
+                <a:spcPct val="100000"/>
+              </a:lnSpc>
+              <a:spcBef>
+                <a:spcPts val="200"/>
+              </a:spcBef>
+              <a:spcAft>
+                <a:spcPts val="400"/>
+              </a:spcAft>
+              <a:buClrTx/>
+              <a:buFont typeface="Calibri" pitchFamily="34" charset="0"/>
+              <a:buChar char="◦"/>
+              <a:defRPr sz="1400" kern="1200">
+                <a:solidFill>
+                  <a:schemeClr val="tx1">
+                    <a:lumMod val="75000"/>
+                    <a:lumOff val="25000"/>
+                  </a:schemeClr>
+                </a:solidFill>
+                <a:latin typeface="+mn-lt"/>
+                <a:ea typeface="+mn-ea"/>
+                <a:cs typeface="+mn-cs"/>
+              </a:defRPr>
+            </a:lvl3pPr>
+            <a:lvl4pPr marL="749808" indent="-182880" algn="l" defTabSz="914400" rtl="0" eaLnBrk="1" latinLnBrk="0" hangingPunct="1">
+              <a:lnSpc>
+                <a:spcPct val="100000"/>
+              </a:lnSpc>
+              <a:spcBef>
+                <a:spcPts val="200"/>
+              </a:spcBef>
+              <a:spcAft>
+                <a:spcPts val="400"/>
+              </a:spcAft>
+              <a:buClrTx/>
+              <a:buFont typeface="Calibri" pitchFamily="34" charset="0"/>
+              <a:buChar char="◦"/>
+              <a:defRPr sz="1400" kern="1200">
+                <a:solidFill>
+                  <a:schemeClr val="tx1">
+                    <a:lumMod val="75000"/>
+                    <a:lumOff val="25000"/>
+                  </a:schemeClr>
+                </a:solidFill>
+                <a:latin typeface="+mn-lt"/>
+                <a:ea typeface="+mn-ea"/>
+                <a:cs typeface="+mn-cs"/>
+              </a:defRPr>
+            </a:lvl4pPr>
+            <a:lvl5pPr marL="932688" indent="-182880" algn="l" defTabSz="914400" rtl="0" eaLnBrk="1" latinLnBrk="0" hangingPunct="1">
+              <a:lnSpc>
+                <a:spcPct val="100000"/>
+              </a:lnSpc>
+              <a:spcBef>
+                <a:spcPts val="200"/>
+              </a:spcBef>
+              <a:spcAft>
+                <a:spcPts val="400"/>
+              </a:spcAft>
+              <a:buClrTx/>
+              <a:buFont typeface="Calibri" pitchFamily="34" charset="0"/>
+              <a:buChar char="◦"/>
+              <a:defRPr sz="1400" kern="1200">
+                <a:solidFill>
+                  <a:schemeClr val="tx1">
+                    <a:lumMod val="75000"/>
+                    <a:lumOff val="25000"/>
+                  </a:schemeClr>
+                </a:solidFill>
+                <a:latin typeface="+mn-lt"/>
+                <a:ea typeface="+mn-ea"/>
+                <a:cs typeface="+mn-cs"/>
+              </a:defRPr>
+            </a:lvl5pPr>
+            <a:lvl6pPr marL="1100000" indent="-228600" algn="l" defTabSz="914400" rtl="0" eaLnBrk="1" latinLnBrk="0" hangingPunct="1">
+              <a:lnSpc>
+                <a:spcPct val="90000"/>
+              </a:lnSpc>
+              <a:spcBef>
+                <a:spcPts val="200"/>
+              </a:spcBef>
+              <a:spcAft>
+                <a:spcPts val="400"/>
+              </a:spcAft>
+              <a:buClr>
+                <a:schemeClr val="accent1"/>
+              </a:buClr>
+              <a:buFont typeface="Calibri" pitchFamily="34" charset="0"/>
+              <a:buChar char="◦"/>
+              <a:defRPr sz="1400" kern="1200">
+                <a:solidFill>
+                  <a:schemeClr val="tx1">
+                    <a:lumMod val="75000"/>
+                    <a:lumOff val="25000"/>
+                  </a:schemeClr>
+                </a:solidFill>
+                <a:latin typeface="+mn-lt"/>
+                <a:ea typeface="+mn-ea"/>
+                <a:cs typeface="+mn-cs"/>
+              </a:defRPr>
+            </a:lvl6pPr>
+            <a:lvl7pPr marL="1300000" indent="-228600" algn="l" defTabSz="914400" rtl="0" eaLnBrk="1" latinLnBrk="0" hangingPunct="1">
+              <a:lnSpc>
+                <a:spcPct val="90000"/>
+              </a:lnSpc>
+              <a:spcBef>
+                <a:spcPts val="200"/>
+              </a:spcBef>
+              <a:spcAft>
+                <a:spcPts val="400"/>
+              </a:spcAft>
+              <a:buClr>
+                <a:schemeClr val="accent1"/>
+              </a:buClr>
+              <a:buFont typeface="Calibri" pitchFamily="34" charset="0"/>
+              <a:buChar char="◦"/>
+              <a:defRPr sz="1400" kern="1200">
+                <a:solidFill>
+                  <a:schemeClr val="tx1">
+                    <a:lumMod val="75000"/>
+                    <a:lumOff val="25000"/>
+                  </a:schemeClr>
+                </a:solidFill>
+                <a:latin typeface="+mn-lt"/>
+                <a:ea typeface="+mn-ea"/>
+                <a:cs typeface="+mn-cs"/>
+              </a:defRPr>
+            </a:lvl7pPr>
+            <a:lvl8pPr marL="1500000" indent="-228600" algn="l" defTabSz="914400" rtl="0" eaLnBrk="1" latinLnBrk="0" hangingPunct="1">
+              <a:lnSpc>
+                <a:spcPct val="90000"/>
+              </a:lnSpc>
+              <a:spcBef>
+                <a:spcPts val="200"/>
+              </a:spcBef>
+              <a:spcAft>
+                <a:spcPts val="400"/>
+              </a:spcAft>
+              <a:buClr>
+                <a:schemeClr val="accent1"/>
+              </a:buClr>
+              <a:buFont typeface="Calibri" pitchFamily="34" charset="0"/>
+              <a:buChar char="◦"/>
+              <a:defRPr sz="1400" kern="1200">
+                <a:solidFill>
+                  <a:schemeClr val="tx1">
+                    <a:lumMod val="75000"/>
+                    <a:lumOff val="25000"/>
+                  </a:schemeClr>
+                </a:solidFill>
+                <a:latin typeface="+mn-lt"/>
+                <a:ea typeface="+mn-ea"/>
+                <a:cs typeface="+mn-cs"/>
+              </a:defRPr>
+            </a:lvl8pPr>
+            <a:lvl9pPr marL="1700000" indent="-228600" algn="l" defTabSz="914400" rtl="0" eaLnBrk="1" latinLnBrk="0" hangingPunct="1">
+              <a:lnSpc>
+                <a:spcPct val="90000"/>
+              </a:lnSpc>
+              <a:spcBef>
+                <a:spcPts val="200"/>
+              </a:spcBef>
+              <a:spcAft>
+                <a:spcPts val="400"/>
+              </a:spcAft>
+              <a:buClr>
+                <a:schemeClr val="accent1"/>
+              </a:buClr>
+              <a:buFont typeface="Calibri" pitchFamily="34" charset="0"/>
+              <a:buChar char="◦"/>
+              <a:defRPr sz="1400" kern="1200">
+                <a:solidFill>
+                  <a:schemeClr val="tx1">
+                    <a:lumMod val="75000"/>
+                    <a:lumOff val="25000"/>
+                  </a:schemeClr>
+                </a:solidFill>
+                <a:latin typeface="+mn-lt"/>
+                <a:ea typeface="+mn-ea"/>
+                <a:cs typeface="+mn-cs"/>
+              </a:defRPr>
+            </a:lvl9pPr>
+          </a:lstStyle>
+          <a:p>
+            <a:r>
+              <a:rPr lang="en-US" sz="1800" dirty="0">
+                <a:solidFill>
+                  <a:srgbClr val="FFFFFF"/>
+                </a:solidFill>
+              </a:rPr>
+              <a:t>2/N</a:t>
+            </a:r>
+          </a:p>
+          <a:p>
+            <a:pPr marL="0" indent="0">
+              <a:buFont typeface="Calibri" panose="020F0502020204030204" pitchFamily="34" charset="0"/>
+              <a:buNone/>
+            </a:pPr>
+            <a:endParaRPr lang="en-US" sz="1800" dirty="0">
+              <a:solidFill>
+                <a:srgbClr val="FFFFFF"/>
+              </a:solidFill>
+            </a:endParaRPr>
+          </a:p>
+        </p:txBody>
+      </p:sp>
+    </p:spTree>
+    <p:extLst>
+      <p:ext uri="{BB962C8B-B14F-4D97-AF65-F5344CB8AC3E}">
+        <p14:creationId xmlns:p14="http://schemas.microsoft.com/office/powerpoint/2010/main" val="1045276387"/>
+      </p:ext>
+    </p:extLst>
+  </p:cSld>
+  <p:clrMapOvr>
+    <a:masterClrMapping/>
+  </p:clrMapOvr>
+</p:sld>
+</file>
+
+<file path=ppt/slides/slide4.xml><?xml version="1.0" encoding="utf-8"?>
+<p:sld xmlns:a="http://schemas.openxmlformats.org/drawingml/2006/main" xmlns:r="http://schemas.openxmlformats.org/officeDocument/2006/relationships" xmlns:p="http://schemas.openxmlformats.org/presentationml/2006/main">
+  <p:cSld>
+    <p:spTree>
+      <p:nvGrpSpPr>
+        <p:cNvPr id="1" name=""/>
+        <p:cNvGrpSpPr/>
+        <p:nvPr/>
+      </p:nvGrpSpPr>
+      <p:grpSpPr>
+        <a:xfrm>
+          <a:off x="0" y="0"/>
+          <a:ext cx="0" cy="0"/>
+          <a:chOff x="0" y="0"/>
+          <a:chExt cx="0" cy="0"/>
+        </a:xfrm>
+      </p:grpSpPr>
+      <p:sp>
+        <p:nvSpPr>
+          <p:cNvPr id="2" name="Marcador de contenido 2">
+            <a:extLst>
+              <a:ext uri="{FF2B5EF4-FFF2-40B4-BE49-F238E27FC236}">
+                <a16:creationId xmlns:a16="http://schemas.microsoft.com/office/drawing/2014/main" id="{D753B0A5-3C66-CEE2-C9AB-A437436B8981}"/>
+              </a:ext>
+            </a:extLst>
+          </p:cNvPr>
+          <p:cNvSpPr txBox="1">
+            <a:spLocks/>
+          </p:cNvSpPr>
+          <p:nvPr/>
+        </p:nvSpPr>
+        <p:spPr>
+          <a:xfrm>
+            <a:off x="88929" y="6478802"/>
+            <a:ext cx="3005462" cy="389959"/>
+          </a:xfrm>
+          <a:prstGeom prst="rect">
+            <a:avLst/>
+          </a:prstGeom>
+        </p:spPr>
+        <p:txBody>
+          <a:bodyPr vert="horz" lIns="0" tIns="45720" rIns="0" bIns="45720" rtlCol="0">
+            <a:normAutofit lnSpcReduction="10000"/>
+          </a:bodyPr>
+          <a:lstStyle>
+            <a:lvl1pPr marL="91440" indent="-91440" algn="l" defTabSz="914400" rtl="0" eaLnBrk="1" latinLnBrk="0" hangingPunct="1">
+              <a:lnSpc>
+                <a:spcPct val="100000"/>
+              </a:lnSpc>
+              <a:spcBef>
+                <a:spcPts val="1200"/>
+              </a:spcBef>
+              <a:spcAft>
+                <a:spcPts val="200"/>
+              </a:spcAft>
+              <a:buClr>
+                <a:schemeClr val="accent1"/>
+              </a:buClr>
+              <a:buSzPct val="100000"/>
+              <a:buFont typeface="Calibri" panose="020F0502020204030204" pitchFamily="34" charset="0"/>
+              <a:buChar char=" "/>
+              <a:defRPr sz="2000" kern="1200">
+                <a:solidFill>
+                  <a:schemeClr val="tx1">
+                    <a:lumMod val="75000"/>
+                    <a:lumOff val="25000"/>
+                  </a:schemeClr>
+                </a:solidFill>
+                <a:latin typeface="+mn-lt"/>
+                <a:ea typeface="+mn-ea"/>
+                <a:cs typeface="+mn-cs"/>
+              </a:defRPr>
+            </a:lvl1pPr>
+            <a:lvl2pPr marL="384048" indent="-182880" algn="l" defTabSz="914400" rtl="0" eaLnBrk="1" latinLnBrk="0" hangingPunct="1">
+              <a:lnSpc>
+                <a:spcPct val="100000"/>
+              </a:lnSpc>
+              <a:spcBef>
+                <a:spcPts val="200"/>
+              </a:spcBef>
+              <a:spcAft>
+                <a:spcPts val="400"/>
+              </a:spcAft>
+              <a:buClrTx/>
+              <a:buFont typeface="Calibri" pitchFamily="34" charset="0"/>
+              <a:buChar char="◦"/>
+              <a:defRPr sz="1800" kern="1200">
+                <a:solidFill>
+                  <a:schemeClr val="tx1">
+                    <a:lumMod val="75000"/>
+                    <a:lumOff val="25000"/>
+                  </a:schemeClr>
+                </a:solidFill>
+                <a:latin typeface="+mn-lt"/>
+                <a:ea typeface="+mn-ea"/>
+                <a:cs typeface="+mn-cs"/>
+              </a:defRPr>
+            </a:lvl2pPr>
+            <a:lvl3pPr marL="566928" indent="-182880" algn="l" defTabSz="914400" rtl="0" eaLnBrk="1" latinLnBrk="0" hangingPunct="1">
+              <a:lnSpc>
+                <a:spcPct val="100000"/>
+              </a:lnSpc>
+              <a:spcBef>
+                <a:spcPts val="200"/>
+              </a:spcBef>
+              <a:spcAft>
+                <a:spcPts val="400"/>
+              </a:spcAft>
+              <a:buClrTx/>
+              <a:buFont typeface="Calibri" pitchFamily="34" charset="0"/>
+              <a:buChar char="◦"/>
+              <a:defRPr sz="1400" kern="1200">
+                <a:solidFill>
+                  <a:schemeClr val="tx1">
+                    <a:lumMod val="75000"/>
+                    <a:lumOff val="25000"/>
+                  </a:schemeClr>
+                </a:solidFill>
+                <a:latin typeface="+mn-lt"/>
+                <a:ea typeface="+mn-ea"/>
+                <a:cs typeface="+mn-cs"/>
+              </a:defRPr>
+            </a:lvl3pPr>
+            <a:lvl4pPr marL="749808" indent="-182880" algn="l" defTabSz="914400" rtl="0" eaLnBrk="1" latinLnBrk="0" hangingPunct="1">
+              <a:lnSpc>
+                <a:spcPct val="100000"/>
+              </a:lnSpc>
+              <a:spcBef>
+                <a:spcPts val="200"/>
+              </a:spcBef>
+              <a:spcAft>
+                <a:spcPts val="400"/>
+              </a:spcAft>
+              <a:buClrTx/>
+              <a:buFont typeface="Calibri" pitchFamily="34" charset="0"/>
+              <a:buChar char="◦"/>
+              <a:defRPr sz="1400" kern="1200">
+                <a:solidFill>
+                  <a:schemeClr val="tx1">
+                    <a:lumMod val="75000"/>
+                    <a:lumOff val="25000"/>
+                  </a:schemeClr>
+                </a:solidFill>
+                <a:latin typeface="+mn-lt"/>
+                <a:ea typeface="+mn-ea"/>
+                <a:cs typeface="+mn-cs"/>
+              </a:defRPr>
+            </a:lvl4pPr>
+            <a:lvl5pPr marL="932688" indent="-182880" algn="l" defTabSz="914400" rtl="0" eaLnBrk="1" latinLnBrk="0" hangingPunct="1">
+              <a:lnSpc>
+                <a:spcPct val="100000"/>
+              </a:lnSpc>
+              <a:spcBef>
+                <a:spcPts val="200"/>
+              </a:spcBef>
+              <a:spcAft>
+                <a:spcPts val="400"/>
+              </a:spcAft>
+              <a:buClrTx/>
+              <a:buFont typeface="Calibri" pitchFamily="34" charset="0"/>
+              <a:buChar char="◦"/>
+              <a:defRPr sz="1400" kern="1200">
+                <a:solidFill>
+                  <a:schemeClr val="tx1">
+                    <a:lumMod val="75000"/>
+                    <a:lumOff val="25000"/>
+                  </a:schemeClr>
+                </a:solidFill>
+                <a:latin typeface="+mn-lt"/>
+                <a:ea typeface="+mn-ea"/>
+                <a:cs typeface="+mn-cs"/>
+              </a:defRPr>
+            </a:lvl5pPr>
+            <a:lvl6pPr marL="1100000" indent="-228600" algn="l" defTabSz="914400" rtl="0" eaLnBrk="1" latinLnBrk="0" hangingPunct="1">
+              <a:lnSpc>
+                <a:spcPct val="90000"/>
+              </a:lnSpc>
+              <a:spcBef>
+                <a:spcPts val="200"/>
+              </a:spcBef>
+              <a:spcAft>
+                <a:spcPts val="400"/>
+              </a:spcAft>
+              <a:buClr>
+                <a:schemeClr val="accent1"/>
+              </a:buClr>
+              <a:buFont typeface="Calibri" pitchFamily="34" charset="0"/>
+              <a:buChar char="◦"/>
+              <a:defRPr sz="1400" kern="1200">
+                <a:solidFill>
+                  <a:schemeClr val="tx1">
+                    <a:lumMod val="75000"/>
+                    <a:lumOff val="25000"/>
+                  </a:schemeClr>
+                </a:solidFill>
+                <a:latin typeface="+mn-lt"/>
+                <a:ea typeface="+mn-ea"/>
+                <a:cs typeface="+mn-cs"/>
+              </a:defRPr>
+            </a:lvl6pPr>
+            <a:lvl7pPr marL="1300000" indent="-228600" algn="l" defTabSz="914400" rtl="0" eaLnBrk="1" latinLnBrk="0" hangingPunct="1">
+              <a:lnSpc>
+                <a:spcPct val="90000"/>
+              </a:lnSpc>
+              <a:spcBef>
+                <a:spcPts val="200"/>
+              </a:spcBef>
+              <a:spcAft>
+                <a:spcPts val="400"/>
+              </a:spcAft>
+              <a:buClr>
+                <a:schemeClr val="accent1"/>
+              </a:buClr>
+              <a:buFont typeface="Calibri" pitchFamily="34" charset="0"/>
+              <a:buChar char="◦"/>
+              <a:defRPr sz="1400" kern="1200">
+                <a:solidFill>
+                  <a:schemeClr val="tx1">
+                    <a:lumMod val="75000"/>
+                    <a:lumOff val="25000"/>
+                  </a:schemeClr>
+                </a:solidFill>
+                <a:latin typeface="+mn-lt"/>
+                <a:ea typeface="+mn-ea"/>
+                <a:cs typeface="+mn-cs"/>
+              </a:defRPr>
+            </a:lvl7pPr>
+            <a:lvl8pPr marL="1500000" indent="-228600" algn="l" defTabSz="914400" rtl="0" eaLnBrk="1" latinLnBrk="0" hangingPunct="1">
+              <a:lnSpc>
+                <a:spcPct val="90000"/>
+              </a:lnSpc>
+              <a:spcBef>
+                <a:spcPts val="200"/>
+              </a:spcBef>
+              <a:spcAft>
+                <a:spcPts val="400"/>
+              </a:spcAft>
+              <a:buClr>
+                <a:schemeClr val="accent1"/>
+              </a:buClr>
+              <a:buFont typeface="Calibri" pitchFamily="34" charset="0"/>
+              <a:buChar char="◦"/>
+              <a:defRPr sz="1400" kern="1200">
+                <a:solidFill>
+                  <a:schemeClr val="tx1">
+                    <a:lumMod val="75000"/>
+                    <a:lumOff val="25000"/>
+                  </a:schemeClr>
+                </a:solidFill>
+                <a:latin typeface="+mn-lt"/>
+                <a:ea typeface="+mn-ea"/>
+                <a:cs typeface="+mn-cs"/>
+              </a:defRPr>
+            </a:lvl8pPr>
+            <a:lvl9pPr marL="1700000" indent="-228600" algn="l" defTabSz="914400" rtl="0" eaLnBrk="1" latinLnBrk="0" hangingPunct="1">
+              <a:lnSpc>
+                <a:spcPct val="90000"/>
+              </a:lnSpc>
+              <a:spcBef>
+                <a:spcPts val="200"/>
+              </a:spcBef>
+              <a:spcAft>
+                <a:spcPts val="400"/>
+              </a:spcAft>
+              <a:buClr>
+                <a:schemeClr val="accent1"/>
+              </a:buClr>
+              <a:buFont typeface="Calibri" pitchFamily="34" charset="0"/>
+              <a:buChar char="◦"/>
+              <a:defRPr sz="1400" kern="1200">
+                <a:solidFill>
+                  <a:schemeClr val="tx1">
+                    <a:lumMod val="75000"/>
+                    <a:lumOff val="25000"/>
+                  </a:schemeClr>
+                </a:solidFill>
+                <a:latin typeface="+mn-lt"/>
+                <a:ea typeface="+mn-ea"/>
+                <a:cs typeface="+mn-cs"/>
+              </a:defRPr>
+            </a:lvl9pPr>
+          </a:lstStyle>
+          <a:p>
+            <a:r>
+              <a:rPr lang="en-US" sz="1800" dirty="0">
+                <a:solidFill>
+                  <a:srgbClr val="FFFFFF"/>
+                </a:solidFill>
+              </a:rPr>
+              <a:t>3/N</a:t>
+            </a:r>
+          </a:p>
+          <a:p>
+            <a:pPr marL="0" indent="0">
+              <a:buFont typeface="Calibri" panose="020F0502020204030204" pitchFamily="34" charset="0"/>
+              <a:buNone/>
+            </a:pPr>
+            <a:endParaRPr lang="en-US" sz="1800" dirty="0">
+              <a:solidFill>
+                <a:srgbClr val="FFFFFF"/>
+              </a:solidFill>
+            </a:endParaRPr>
+          </a:p>
+        </p:txBody>
+      </p:sp>
+      <p:sp>
+        <p:nvSpPr>
+          <p:cNvPr id="3" name="Título 1">
+            <a:extLst>
+              <a:ext uri="{FF2B5EF4-FFF2-40B4-BE49-F238E27FC236}">
+                <a16:creationId xmlns:a16="http://schemas.microsoft.com/office/drawing/2014/main" id="{4C0874A2-5CD1-473F-9247-E96B1886D4AA}"/>
+              </a:ext>
+            </a:extLst>
+          </p:cNvPr>
+          <p:cNvSpPr txBox="1">
+            <a:spLocks/>
+          </p:cNvSpPr>
+          <p:nvPr/>
+        </p:nvSpPr>
+        <p:spPr>
+          <a:xfrm>
+            <a:off x="1097280" y="286603"/>
+            <a:ext cx="10058400" cy="1450757"/>
+          </a:xfrm>
+          <a:prstGeom prst="rect">
+            <a:avLst/>
+          </a:prstGeom>
+        </p:spPr>
+        <p:txBody>
+          <a:bodyPr/>
+          <a:lstStyle>
+            <a:lvl1pPr algn="l" defTabSz="914400" rtl="0" eaLnBrk="1" latinLnBrk="0" hangingPunct="1">
+              <a:lnSpc>
+                <a:spcPct val="90000"/>
+              </a:lnSpc>
+              <a:spcBef>
+                <a:spcPct val="0"/>
+              </a:spcBef>
+              <a:buNone/>
+              <a:defRPr sz="4800" kern="1200" spc="-50" baseline="0">
+                <a:solidFill>
+                  <a:schemeClr val="tx1">
+                    <a:lumMod val="75000"/>
+                    <a:lumOff val="25000"/>
+                  </a:schemeClr>
+                </a:solidFill>
+                <a:latin typeface="+mj-lt"/>
+                <a:ea typeface="+mj-ea"/>
+                <a:cs typeface="+mj-cs"/>
+              </a:defRPr>
+            </a:lvl1pPr>
+          </a:lstStyle>
+          <a:p>
+            <a:r>
+              <a:rPr lang="es-CL" dirty="0"/>
+              <a:t>Marco teórico</a:t>
+            </a:r>
+          </a:p>
+        </p:txBody>
+      </p:sp>
+      <p:sp>
+        <p:nvSpPr>
+          <p:cNvPr id="4" name="Marcador de contenido 3">
+            <a:extLst>
+              <a:ext uri="{FF2B5EF4-FFF2-40B4-BE49-F238E27FC236}">
+                <a16:creationId xmlns:a16="http://schemas.microsoft.com/office/drawing/2014/main" id="{A646CDF9-9CDE-7785-083E-F5F8460D03B5}"/>
+              </a:ext>
+            </a:extLst>
+          </p:cNvPr>
+          <p:cNvSpPr txBox="1">
+            <a:spLocks/>
+          </p:cNvSpPr>
+          <p:nvPr/>
+        </p:nvSpPr>
+        <p:spPr>
+          <a:xfrm>
+            <a:off x="1276739" y="1284711"/>
+            <a:ext cx="9625723" cy="461879"/>
+          </a:xfrm>
+          <a:prstGeom prst="rect">
+            <a:avLst/>
+          </a:prstGeom>
+        </p:spPr>
+        <p:txBody>
+          <a:bodyPr/>
+          <a:lstStyle>
+            <a:lvl1pPr marL="91440" indent="-91440" algn="l" defTabSz="914400" rtl="0" eaLnBrk="1" latinLnBrk="0" hangingPunct="1">
+              <a:lnSpc>
+                <a:spcPct val="100000"/>
+              </a:lnSpc>
+              <a:spcBef>
+                <a:spcPts val="1200"/>
+              </a:spcBef>
+              <a:spcAft>
+                <a:spcPts val="200"/>
+              </a:spcAft>
+              <a:buClr>
+                <a:schemeClr val="accent1"/>
+              </a:buClr>
+              <a:buSzPct val="100000"/>
+              <a:buFont typeface="Calibri" panose="020F0502020204030204" pitchFamily="34" charset="0"/>
+              <a:buChar char=" "/>
+              <a:defRPr sz="2000" kern="1200">
+                <a:solidFill>
+                  <a:schemeClr val="tx1">
+                    <a:lumMod val="75000"/>
+                    <a:lumOff val="25000"/>
+                  </a:schemeClr>
+                </a:solidFill>
+                <a:latin typeface="+mn-lt"/>
+                <a:ea typeface="+mn-ea"/>
+                <a:cs typeface="+mn-cs"/>
+              </a:defRPr>
+            </a:lvl1pPr>
+            <a:lvl2pPr marL="384048" indent="-182880" algn="l" defTabSz="914400" rtl="0" eaLnBrk="1" latinLnBrk="0" hangingPunct="1">
+              <a:lnSpc>
+                <a:spcPct val="100000"/>
+              </a:lnSpc>
+              <a:spcBef>
+                <a:spcPts val="200"/>
+              </a:spcBef>
+              <a:spcAft>
+                <a:spcPts val="400"/>
+              </a:spcAft>
+              <a:buClrTx/>
+              <a:buFont typeface="Calibri" pitchFamily="34" charset="0"/>
+              <a:buChar char="◦"/>
+              <a:defRPr sz="1800" kern="1200">
+                <a:solidFill>
+                  <a:schemeClr val="tx1">
+                    <a:lumMod val="75000"/>
+                    <a:lumOff val="25000"/>
+                  </a:schemeClr>
+                </a:solidFill>
+                <a:latin typeface="+mn-lt"/>
+                <a:ea typeface="+mn-ea"/>
+                <a:cs typeface="+mn-cs"/>
+              </a:defRPr>
+            </a:lvl2pPr>
+            <a:lvl3pPr marL="566928" indent="-182880" algn="l" defTabSz="914400" rtl="0" eaLnBrk="1" latinLnBrk="0" hangingPunct="1">
+              <a:lnSpc>
+                <a:spcPct val="100000"/>
+              </a:lnSpc>
+              <a:spcBef>
+                <a:spcPts val="200"/>
+              </a:spcBef>
+              <a:spcAft>
+                <a:spcPts val="400"/>
+              </a:spcAft>
+              <a:buClrTx/>
+              <a:buFont typeface="Calibri" pitchFamily="34" charset="0"/>
+              <a:buChar char="◦"/>
+              <a:defRPr sz="1400" kern="1200">
+                <a:solidFill>
+                  <a:schemeClr val="tx1">
+                    <a:lumMod val="75000"/>
+                    <a:lumOff val="25000"/>
+                  </a:schemeClr>
+                </a:solidFill>
+                <a:latin typeface="+mn-lt"/>
+                <a:ea typeface="+mn-ea"/>
+                <a:cs typeface="+mn-cs"/>
+              </a:defRPr>
+            </a:lvl3pPr>
+            <a:lvl4pPr marL="749808" indent="-182880" algn="l" defTabSz="914400" rtl="0" eaLnBrk="1" latinLnBrk="0" hangingPunct="1">
+              <a:lnSpc>
+                <a:spcPct val="100000"/>
+              </a:lnSpc>
+              <a:spcBef>
+                <a:spcPts val="200"/>
+              </a:spcBef>
+              <a:spcAft>
+                <a:spcPts val="400"/>
+              </a:spcAft>
+              <a:buClrTx/>
+              <a:buFont typeface="Calibri" pitchFamily="34" charset="0"/>
+              <a:buChar char="◦"/>
+              <a:defRPr sz="1400" kern="1200">
+                <a:solidFill>
+                  <a:schemeClr val="tx1">
+                    <a:lumMod val="75000"/>
+                    <a:lumOff val="25000"/>
+                  </a:schemeClr>
+                </a:solidFill>
+                <a:latin typeface="+mn-lt"/>
+                <a:ea typeface="+mn-ea"/>
+                <a:cs typeface="+mn-cs"/>
+              </a:defRPr>
+            </a:lvl4pPr>
+            <a:lvl5pPr marL="932688" indent="-182880" algn="l" defTabSz="914400" rtl="0" eaLnBrk="1" latinLnBrk="0" hangingPunct="1">
+              <a:lnSpc>
+                <a:spcPct val="100000"/>
+              </a:lnSpc>
+              <a:spcBef>
+                <a:spcPts val="200"/>
+              </a:spcBef>
+              <a:spcAft>
+                <a:spcPts val="400"/>
+              </a:spcAft>
+              <a:buClrTx/>
+              <a:buFont typeface="Calibri" pitchFamily="34" charset="0"/>
+              <a:buChar char="◦"/>
+              <a:defRPr sz="1400" kern="1200">
+                <a:solidFill>
+                  <a:schemeClr val="tx1">
+                    <a:lumMod val="75000"/>
+                    <a:lumOff val="25000"/>
+                  </a:schemeClr>
+                </a:solidFill>
+                <a:latin typeface="+mn-lt"/>
+                <a:ea typeface="+mn-ea"/>
+                <a:cs typeface="+mn-cs"/>
+              </a:defRPr>
+            </a:lvl5pPr>
+            <a:lvl6pPr marL="1100000" indent="-228600" algn="l" defTabSz="914400" rtl="0" eaLnBrk="1" latinLnBrk="0" hangingPunct="1">
+              <a:lnSpc>
+                <a:spcPct val="90000"/>
+              </a:lnSpc>
+              <a:spcBef>
+                <a:spcPts val="200"/>
+              </a:spcBef>
+              <a:spcAft>
+                <a:spcPts val="400"/>
+              </a:spcAft>
+              <a:buClr>
+                <a:schemeClr val="accent1"/>
+              </a:buClr>
+              <a:buFont typeface="Calibri" pitchFamily="34" charset="0"/>
+              <a:buChar char="◦"/>
+              <a:defRPr sz="1400" kern="1200">
+                <a:solidFill>
+                  <a:schemeClr val="tx1">
+                    <a:lumMod val="75000"/>
+                    <a:lumOff val="25000"/>
+                  </a:schemeClr>
+                </a:solidFill>
+                <a:latin typeface="+mn-lt"/>
+                <a:ea typeface="+mn-ea"/>
+                <a:cs typeface="+mn-cs"/>
+              </a:defRPr>
+            </a:lvl6pPr>
+            <a:lvl7pPr marL="1300000" indent="-228600" algn="l" defTabSz="914400" rtl="0" eaLnBrk="1" latinLnBrk="0" hangingPunct="1">
+              <a:lnSpc>
+                <a:spcPct val="90000"/>
+              </a:lnSpc>
+              <a:spcBef>
+                <a:spcPts val="200"/>
+              </a:spcBef>
+              <a:spcAft>
+                <a:spcPts val="400"/>
+              </a:spcAft>
+              <a:buClr>
+                <a:schemeClr val="accent1"/>
+              </a:buClr>
+              <a:buFont typeface="Calibri" pitchFamily="34" charset="0"/>
+              <a:buChar char="◦"/>
+              <a:defRPr sz="1400" kern="1200">
+                <a:solidFill>
+                  <a:schemeClr val="tx1">
+                    <a:lumMod val="75000"/>
+                    <a:lumOff val="25000"/>
+                  </a:schemeClr>
+                </a:solidFill>
+                <a:latin typeface="+mn-lt"/>
+                <a:ea typeface="+mn-ea"/>
+                <a:cs typeface="+mn-cs"/>
+              </a:defRPr>
+            </a:lvl7pPr>
+            <a:lvl8pPr marL="1500000" indent="-228600" algn="l" defTabSz="914400" rtl="0" eaLnBrk="1" latinLnBrk="0" hangingPunct="1">
+              <a:lnSpc>
+                <a:spcPct val="90000"/>
+              </a:lnSpc>
+              <a:spcBef>
+                <a:spcPts val="200"/>
+              </a:spcBef>
+              <a:spcAft>
+                <a:spcPts val="400"/>
+              </a:spcAft>
+              <a:buClr>
+                <a:schemeClr val="accent1"/>
+              </a:buClr>
+              <a:buFont typeface="Calibri" pitchFamily="34" charset="0"/>
+              <a:buChar char="◦"/>
+              <a:defRPr sz="1400" kern="1200">
+                <a:solidFill>
+                  <a:schemeClr val="tx1">
+                    <a:lumMod val="75000"/>
+                    <a:lumOff val="25000"/>
+                  </a:schemeClr>
+                </a:solidFill>
+                <a:latin typeface="+mn-lt"/>
+                <a:ea typeface="+mn-ea"/>
+                <a:cs typeface="+mn-cs"/>
+              </a:defRPr>
+            </a:lvl8pPr>
+            <a:lvl9pPr marL="1700000" indent="-228600" algn="l" defTabSz="914400" rtl="0" eaLnBrk="1" latinLnBrk="0" hangingPunct="1">
+              <a:lnSpc>
+                <a:spcPct val="90000"/>
+              </a:lnSpc>
+              <a:spcBef>
+                <a:spcPts val="200"/>
+              </a:spcBef>
+              <a:spcAft>
+                <a:spcPts val="400"/>
+              </a:spcAft>
+              <a:buClr>
+                <a:schemeClr val="accent1"/>
+              </a:buClr>
+              <a:buFont typeface="Calibri" pitchFamily="34" charset="0"/>
+              <a:buChar char="◦"/>
+              <a:defRPr sz="1400" kern="1200">
+                <a:solidFill>
+                  <a:schemeClr val="tx1">
+                    <a:lumMod val="75000"/>
+                    <a:lumOff val="25000"/>
+                  </a:schemeClr>
+                </a:solidFill>
+                <a:latin typeface="+mn-lt"/>
+                <a:ea typeface="+mn-ea"/>
+                <a:cs typeface="+mn-cs"/>
+              </a:defRPr>
+            </a:lvl9pPr>
+          </a:lstStyle>
+          <a:p>
+            <a:r>
+              <a:rPr lang="es-CL" b="1" dirty="0" err="1"/>
+              <a:t>Aerial</a:t>
+            </a:r>
+            <a:r>
+              <a:rPr lang="es-CL" b="1" dirty="0"/>
+              <a:t> </a:t>
+            </a:r>
+            <a:r>
+              <a:rPr lang="es-CL" b="1" dirty="0" err="1"/>
+              <a:t>Lidar</a:t>
+            </a:r>
+            <a:r>
+              <a:rPr lang="es-CL" b="1" dirty="0"/>
+              <a:t>: </a:t>
+            </a:r>
+            <a:r>
+              <a:rPr lang="es-CL" dirty="0"/>
+              <a:t>Los sensores </a:t>
+            </a:r>
+            <a:r>
+              <a:rPr lang="es-CL" dirty="0" err="1"/>
+              <a:t>Lidar</a:t>
+            </a:r>
+            <a:r>
+              <a:rPr lang="es-CL" dirty="0"/>
+              <a:t> aéreos son aquellos que se adjuntan a helicópteros, aviones o </a:t>
+            </a:r>
+            <a:r>
+              <a:rPr lang="es-CL" dirty="0" err="1"/>
+              <a:t>UAVs</a:t>
+            </a:r>
+            <a:r>
+              <a:rPr lang="es-CL" dirty="0"/>
+              <a:t>. Consisten en sensores topográficos y batimétricos.</a:t>
+            </a:r>
+          </a:p>
+        </p:txBody>
+      </p:sp>
       <p:pic>
         <p:nvPicPr>
           <p:cNvPr id="6" name="Imagen 5" descr="Un dibujo animado&#10;&#10;Descripción generada automáticamente con confianza baja">
             <a:extLst>
               <a:ext uri="{FF2B5EF4-FFF2-40B4-BE49-F238E27FC236}">
-                <a16:creationId xmlns:a16="http://schemas.microsoft.com/office/drawing/2014/main" id="{52DDE63C-5751-AC52-4B4D-F433B1FA3EFE}"/>
+                <a16:creationId xmlns:a16="http://schemas.microsoft.com/office/drawing/2014/main" id="{952F56CA-DC72-055B-4806-7BEC68BB7408}"/>
               </a:ext>
             </a:extLst>
           </p:cNvPr>
@@ -5247,7 +6491,7 @@
           <p:nvPr/>
         </p:nvPicPr>
         <p:blipFill>
-          <a:blip r:embed="rId3">
+          <a:blip r:embed="rId2">
             <a:extLst>
               <a:ext uri="{28A0092B-C50C-407E-A947-70E740481C1C}">
                 <a14:useLocalDpi xmlns:a14="http://schemas.microsoft.com/office/drawing/2010/main" val="0"/>
@@ -5260,20 +6504,50 @@
         </p:blipFill>
         <p:spPr>
           <a:xfrm>
-            <a:off x="6457022" y="1118559"/>
-            <a:ext cx="3728239" cy="1333062"/>
+            <a:off x="531774" y="2419906"/>
+            <a:ext cx="10770084" cy="3850931"/>
           </a:xfrm>
           <a:prstGeom prst="rect">
             <a:avLst/>
           </a:prstGeom>
         </p:spPr>
       </p:pic>
-      <p:sp>
-        <p:nvSpPr>
-          <p:cNvPr id="7" name="Marcador de contenido 2">
+    </p:spTree>
+    <p:extLst>
+      <p:ext uri="{BB962C8B-B14F-4D97-AF65-F5344CB8AC3E}">
+        <p14:creationId xmlns:p14="http://schemas.microsoft.com/office/powerpoint/2010/main" val="1241991416"/>
+      </p:ext>
+    </p:extLst>
+  </p:cSld>
+  <p:clrMapOvr>
+    <a:masterClrMapping/>
+  </p:clrMapOvr>
+</p:sld>
+</file>
+
+<file path=ppt/slides/slide5.xml><?xml version="1.0" encoding="utf-8"?>
+<p:sld xmlns:a="http://schemas.openxmlformats.org/drawingml/2006/main" xmlns:r="http://schemas.openxmlformats.org/officeDocument/2006/relationships" xmlns:p="http://schemas.openxmlformats.org/presentationml/2006/main">
+  <p:cSld>
+    <p:spTree>
+      <p:nvGrpSpPr>
+        <p:cNvPr id="1" name=""/>
+        <p:cNvGrpSpPr/>
+        <p:nvPr/>
+      </p:nvGrpSpPr>
+      <p:grpSpPr>
+        <a:xfrm>
+          <a:off x="0" y="0"/>
+          <a:ext cx="0" cy="0"/>
+          <a:chOff x="0" y="0"/>
+          <a:chExt cx="0" cy="0"/>
+        </a:xfrm>
+      </p:grpSpPr>
+      <p:sp>
+        <p:nvSpPr>
+          <p:cNvPr id="2" name="Marcador de contenido 2">
             <a:extLst>
               <a:ext uri="{FF2B5EF4-FFF2-40B4-BE49-F238E27FC236}">
-                <a16:creationId xmlns:a16="http://schemas.microsoft.com/office/drawing/2014/main" id="{A21EF570-CBBB-A2E9-48DD-AE2FA10B8162}"/>
+                <a16:creationId xmlns:a16="http://schemas.microsoft.com/office/drawing/2014/main" id="{C84D5CD0-5CC4-CC0B-6F28-901EB636D2D0}"/>
               </a:ext>
             </a:extLst>
           </p:cNvPr>
@@ -5284,8 +6558,8 @@
         </p:nvSpPr>
         <p:spPr>
           <a:xfrm>
-            <a:off x="7551060" y="748284"/>
-            <a:ext cx="2949426" cy="645842"/>
+            <a:off x="88929" y="6478802"/>
+            <a:ext cx="3005462" cy="389959"/>
           </a:xfrm>
           <a:prstGeom prst="rect">
             <a:avLst/>
@@ -5293,7 +6567,7 @@
         </p:spPr>
         <p:txBody>
           <a:bodyPr vert="horz" lIns="0" tIns="45720" rIns="0" bIns="45720" rtlCol="0">
-            <a:normAutofit/>
+            <a:normAutofit lnSpcReduction="10000"/>
           </a:bodyPr>
           <a:lstStyle>
             <a:lvl1pPr marL="91440" indent="-91440" algn="l" defTabSz="914400" rtl="0" eaLnBrk="1" latinLnBrk="0" hangingPunct="1">
@@ -5535,27 +6809,33 @@
           </a:lstStyle>
           <a:p>
             <a:r>
-              <a:rPr lang="es-CL" sz="1400" dirty="0" err="1"/>
-              <a:t>Aeral</a:t>
-            </a:r>
-            <a:r>
-              <a:rPr lang="es-CL" sz="1400" dirty="0"/>
-              <a:t> </a:t>
-            </a:r>
-            <a:r>
-              <a:rPr lang="es-CL" sz="1400" dirty="0" err="1"/>
-              <a:t>Lidar</a:t>
-            </a:r>
-            <a:endParaRPr lang="es-CL" sz="1400" dirty="0"/>
-          </a:p>
-        </p:txBody>
-      </p:sp>
-      <p:sp>
-        <p:nvSpPr>
-          <p:cNvPr id="8" name="Marcador de contenido 2">
+              <a:rPr lang="en-US" sz="1800" dirty="0">
+                <a:solidFill>
+                  <a:srgbClr val="FFFFFF"/>
+                </a:solidFill>
+              </a:rPr>
+              <a:t>4/N</a:t>
+            </a:r>
+          </a:p>
+          <a:p>
+            <a:pPr marL="0" indent="0">
+              <a:buFont typeface="Calibri" panose="020F0502020204030204" pitchFamily="34" charset="0"/>
+              <a:buNone/>
+            </a:pPr>
+            <a:endParaRPr lang="en-US" sz="1800" dirty="0">
+              <a:solidFill>
+                <a:srgbClr val="FFFFFF"/>
+              </a:solidFill>
+            </a:endParaRPr>
+          </a:p>
+        </p:txBody>
+      </p:sp>
+      <p:sp>
+        <p:nvSpPr>
+          <p:cNvPr id="3" name="Marcador de contenido 3">
             <a:extLst>
               <a:ext uri="{FF2B5EF4-FFF2-40B4-BE49-F238E27FC236}">
-                <a16:creationId xmlns:a16="http://schemas.microsoft.com/office/drawing/2014/main" id="{48749C31-3A1C-FC5D-4CE6-5C179CA5E910}"/>
+                <a16:creationId xmlns:a16="http://schemas.microsoft.com/office/drawing/2014/main" id="{EF658EBE-F92F-1D20-6B0E-69044AB6AB2B}"/>
               </a:ext>
             </a:extLst>
           </p:cNvPr>
@@ -5566,17 +6846,15 @@
         </p:nvSpPr>
         <p:spPr>
           <a:xfrm>
-            <a:off x="7235835" y="3197683"/>
-            <a:ext cx="2949426" cy="645842"/>
+            <a:off x="1276739" y="1284711"/>
+            <a:ext cx="9625723" cy="907504"/>
           </a:xfrm>
           <a:prstGeom prst="rect">
             <a:avLst/>
           </a:prstGeom>
         </p:spPr>
         <p:txBody>
-          <a:bodyPr vert="horz" lIns="0" tIns="45720" rIns="0" bIns="45720" rtlCol="0">
-            <a:normAutofit/>
-          </a:bodyPr>
+          <a:bodyPr/>
           <a:lstStyle>
             <a:lvl1pPr marL="91440" indent="-91440" algn="l" defTabSz="914400" rtl="0" eaLnBrk="1" latinLnBrk="0" hangingPunct="1">
               <a:lnSpc>
@@ -5817,27 +7095,97 @@
           </a:lstStyle>
           <a:p>
             <a:r>
-              <a:rPr lang="es-CL" sz="1400" dirty="0" err="1"/>
+              <a:rPr lang="es-CL" b="1" dirty="0" err="1"/>
               <a:t>Terrestrial</a:t>
             </a:r>
             <a:r>
-              <a:rPr lang="es-CL" sz="1400" dirty="0"/>
+              <a:rPr lang="es-CL" b="1" dirty="0"/>
               <a:t> </a:t>
             </a:r>
             <a:r>
-              <a:rPr lang="es-CL" sz="1400" dirty="0" err="1"/>
+              <a:rPr lang="es-CL" b="1" dirty="0" err="1"/>
               <a:t>Lidar</a:t>
             </a:r>
-            <a:endParaRPr lang="es-CL" sz="1400" dirty="0"/>
+            <a:r>
+              <a:rPr lang="es-CL" b="1" dirty="0"/>
+              <a:t>: </a:t>
+            </a:r>
+            <a:r>
+              <a:rPr lang="es-CL" dirty="0"/>
+              <a:t>Los sensores </a:t>
+            </a:r>
+            <a:r>
+              <a:rPr lang="es-CL" dirty="0" err="1"/>
+              <a:t>lidar</a:t>
+            </a:r>
+            <a:r>
+              <a:rPr lang="es-CL" dirty="0"/>
+              <a:t> terrestres escanean la superficie de la Tierra o los alrededores inmediatos del sensor en tierra. Estos sensores pueden ser estáticos o móviles.</a:t>
+            </a:r>
+          </a:p>
+        </p:txBody>
+      </p:sp>
+      <p:sp>
+        <p:nvSpPr>
+          <p:cNvPr id="4" name="Título 1">
+            <a:extLst>
+              <a:ext uri="{FF2B5EF4-FFF2-40B4-BE49-F238E27FC236}">
+                <a16:creationId xmlns:a16="http://schemas.microsoft.com/office/drawing/2014/main" id="{B033E02D-509C-96C1-CC54-FE3DC630DBC5}"/>
+              </a:ext>
+            </a:extLst>
+          </p:cNvPr>
+          <p:cNvSpPr txBox="1">
+            <a:spLocks/>
+          </p:cNvSpPr>
+          <p:nvPr/>
+        </p:nvSpPr>
+        <p:spPr>
+          <a:xfrm>
+            <a:off x="1097280" y="286603"/>
+            <a:ext cx="10058400" cy="1450757"/>
+          </a:xfrm>
+          <a:prstGeom prst="rect">
+            <a:avLst/>
+          </a:prstGeom>
+        </p:spPr>
+        <p:txBody>
+          <a:bodyPr/>
+          <a:lstStyle>
+            <a:lvl1pPr algn="l" defTabSz="914400" rtl="0" eaLnBrk="1" latinLnBrk="0" hangingPunct="1">
+              <a:lnSpc>
+                <a:spcPct val="90000"/>
+              </a:lnSpc>
+              <a:spcBef>
+                <a:spcPct val="0"/>
+              </a:spcBef>
+              <a:buNone/>
+              <a:defRPr sz="4800" kern="1200" spc="-50" baseline="0">
+                <a:solidFill>
+                  <a:schemeClr val="tx1">
+                    <a:lumMod val="75000"/>
+                    <a:lumOff val="25000"/>
+                  </a:schemeClr>
+                </a:solidFill>
+                <a:latin typeface="+mj-lt"/>
+                <a:ea typeface="+mj-ea"/>
+                <a:cs typeface="+mj-cs"/>
+              </a:defRPr>
+            </a:lvl1pPr>
+          </a:lstStyle>
+          <a:p>
+            <a:r>
+              <a:rPr lang="es-CL" dirty="0"/>
+              <a:t>Marco teórico</a:t>
+            </a:r>
           </a:p>
         </p:txBody>
       </p:sp>
       <p:pic>
         <p:nvPicPr>
-          <p:cNvPr id="10" name="Imagen 9">
+          <p:cNvPr id="6" name="Imagen 5" descr="Imagen que contiene Icono&#10;&#10;Descripción generada automáticamente">
             <a:extLst>
               <a:ext uri="{FF2B5EF4-FFF2-40B4-BE49-F238E27FC236}">
-                <a16:creationId xmlns:a16="http://schemas.microsoft.com/office/drawing/2014/main" id="{EE779AE4-ADBF-93DB-16EB-87ED095E523D}"/>
+                <a16:creationId xmlns:a16="http://schemas.microsoft.com/office/drawing/2014/main" id="{D1D200E9-1755-28D6-EFD5-346EE2261C72}"/>
               </a:ext>
             </a:extLst>
           </p:cNvPr>
@@ -5847,15 +7195,21 @@
           <p:nvPr/>
         </p:nvPicPr>
         <p:blipFill>
-          <a:blip r:embed="rId4"/>
+          <a:blip r:embed="rId2">
+            <a:extLst>
+              <a:ext uri="{28A0092B-C50C-407E-A947-70E740481C1C}">
+                <a14:useLocalDpi xmlns:a14="http://schemas.microsoft.com/office/drawing/2010/main" val="0"/>
+              </a:ext>
+            </a:extLst>
+          </a:blip>
           <a:stretch>
             <a:fillRect/>
           </a:stretch>
         </p:blipFill>
         <p:spPr>
           <a:xfrm>
-            <a:off x="4527452" y="3843525"/>
-            <a:ext cx="7235687" cy="1838739"/>
+            <a:off x="816066" y="2735468"/>
+            <a:ext cx="10559867" cy="2724181"/>
           </a:xfrm>
           <a:prstGeom prst="rect">
             <a:avLst/>
@@ -5865,7 +7219,722 @@
     </p:spTree>
     <p:extLst>
       <p:ext uri="{BB962C8B-B14F-4D97-AF65-F5344CB8AC3E}">
-        <p14:creationId xmlns:p14="http://schemas.microsoft.com/office/powerpoint/2010/main" val="2002195718"/>
+        <p14:creationId xmlns:p14="http://schemas.microsoft.com/office/powerpoint/2010/main" val="1573124254"/>
+      </p:ext>
+    </p:extLst>
+  </p:cSld>
+  <p:clrMapOvr>
+    <a:masterClrMapping/>
+  </p:clrMapOvr>
+</p:sld>
+</file>
+
+<file path=ppt/slides/slide6.xml><?xml version="1.0" encoding="utf-8"?>
+<p:sld xmlns:a="http://schemas.openxmlformats.org/drawingml/2006/main" xmlns:r="http://schemas.openxmlformats.org/officeDocument/2006/relationships" xmlns:p="http://schemas.openxmlformats.org/presentationml/2006/main">
+  <p:cSld>
+    <p:spTree>
+      <p:nvGrpSpPr>
+        <p:cNvPr id="1" name=""/>
+        <p:cNvGrpSpPr/>
+        <p:nvPr/>
+      </p:nvGrpSpPr>
+      <p:grpSpPr>
+        <a:xfrm>
+          <a:off x="0" y="0"/>
+          <a:ext cx="0" cy="0"/>
+          <a:chOff x="0" y="0"/>
+          <a:chExt cx="0" cy="0"/>
+        </a:xfrm>
+      </p:grpSpPr>
+      <p:sp>
+        <p:nvSpPr>
+          <p:cNvPr id="2" name="Título 1">
+            <a:extLst>
+              <a:ext uri="{FF2B5EF4-FFF2-40B4-BE49-F238E27FC236}">
+                <a16:creationId xmlns:a16="http://schemas.microsoft.com/office/drawing/2014/main" id="{B3FCB803-DC03-3144-E084-6F6ED7E53896}"/>
+              </a:ext>
+            </a:extLst>
+          </p:cNvPr>
+          <p:cNvSpPr txBox="1">
+            <a:spLocks/>
+          </p:cNvSpPr>
+          <p:nvPr/>
+        </p:nvSpPr>
+        <p:spPr>
+          <a:xfrm>
+            <a:off x="1097280" y="286603"/>
+            <a:ext cx="10058400" cy="1450757"/>
+          </a:xfrm>
+          <a:prstGeom prst="rect">
+            <a:avLst/>
+          </a:prstGeom>
+        </p:spPr>
+        <p:txBody>
+          <a:bodyPr/>
+          <a:lstStyle>
+            <a:lvl1pPr algn="l" defTabSz="914400" rtl="0" eaLnBrk="1" latinLnBrk="0" hangingPunct="1">
+              <a:lnSpc>
+                <a:spcPct val="90000"/>
+              </a:lnSpc>
+              <a:spcBef>
+                <a:spcPct val="0"/>
+              </a:spcBef>
+              <a:buNone/>
+              <a:defRPr sz="4800" kern="1200" spc="-50" baseline="0">
+                <a:solidFill>
+                  <a:schemeClr val="tx1">
+                    <a:lumMod val="75000"/>
+                    <a:lumOff val="25000"/>
+                  </a:schemeClr>
+                </a:solidFill>
+                <a:latin typeface="+mj-lt"/>
+                <a:ea typeface="+mj-ea"/>
+                <a:cs typeface="+mj-cs"/>
+              </a:defRPr>
+            </a:lvl1pPr>
+          </a:lstStyle>
+          <a:p>
+            <a:r>
+              <a:rPr lang="es-CL" dirty="0"/>
+              <a:t>Marco teórico</a:t>
+            </a:r>
+          </a:p>
+        </p:txBody>
+      </p:sp>
+      <p:sp>
+        <p:nvSpPr>
+          <p:cNvPr id="3" name="Marcador de contenido 3">
+            <a:extLst>
+              <a:ext uri="{FF2B5EF4-FFF2-40B4-BE49-F238E27FC236}">
+                <a16:creationId xmlns:a16="http://schemas.microsoft.com/office/drawing/2014/main" id="{EF0E417E-5082-968A-72CD-0B5097EB9036}"/>
+              </a:ext>
+            </a:extLst>
+          </p:cNvPr>
+          <p:cNvSpPr txBox="1">
+            <a:spLocks/>
+          </p:cNvSpPr>
+          <p:nvPr/>
+        </p:nvSpPr>
+        <p:spPr>
+          <a:xfrm>
+            <a:off x="1276739" y="1284711"/>
+            <a:ext cx="9625723" cy="874829"/>
+          </a:xfrm>
+          <a:prstGeom prst="rect">
+            <a:avLst/>
+          </a:prstGeom>
+        </p:spPr>
+        <p:txBody>
+          <a:bodyPr/>
+          <a:lstStyle>
+            <a:lvl1pPr marL="91440" indent="-91440" algn="l" defTabSz="914400" rtl="0" eaLnBrk="1" latinLnBrk="0" hangingPunct="1">
+              <a:lnSpc>
+                <a:spcPct val="100000"/>
+              </a:lnSpc>
+              <a:spcBef>
+                <a:spcPts val="1200"/>
+              </a:spcBef>
+              <a:spcAft>
+                <a:spcPts val="200"/>
+              </a:spcAft>
+              <a:buClr>
+                <a:schemeClr val="accent1"/>
+              </a:buClr>
+              <a:buSzPct val="100000"/>
+              <a:buFont typeface="Calibri" panose="020F0502020204030204" pitchFamily="34" charset="0"/>
+              <a:buChar char=" "/>
+              <a:defRPr sz="2000" kern="1200">
+                <a:solidFill>
+                  <a:schemeClr val="tx1">
+                    <a:lumMod val="75000"/>
+                    <a:lumOff val="25000"/>
+                  </a:schemeClr>
+                </a:solidFill>
+                <a:latin typeface="+mn-lt"/>
+                <a:ea typeface="+mn-ea"/>
+                <a:cs typeface="+mn-cs"/>
+              </a:defRPr>
+            </a:lvl1pPr>
+            <a:lvl2pPr marL="384048" indent="-182880" algn="l" defTabSz="914400" rtl="0" eaLnBrk="1" latinLnBrk="0" hangingPunct="1">
+              <a:lnSpc>
+                <a:spcPct val="100000"/>
+              </a:lnSpc>
+              <a:spcBef>
+                <a:spcPts val="200"/>
+              </a:spcBef>
+              <a:spcAft>
+                <a:spcPts val="400"/>
+              </a:spcAft>
+              <a:buClrTx/>
+              <a:buFont typeface="Calibri" pitchFamily="34" charset="0"/>
+              <a:buChar char="◦"/>
+              <a:defRPr sz="1800" kern="1200">
+                <a:solidFill>
+                  <a:schemeClr val="tx1">
+                    <a:lumMod val="75000"/>
+                    <a:lumOff val="25000"/>
+                  </a:schemeClr>
+                </a:solidFill>
+                <a:latin typeface="+mn-lt"/>
+                <a:ea typeface="+mn-ea"/>
+                <a:cs typeface="+mn-cs"/>
+              </a:defRPr>
+            </a:lvl2pPr>
+            <a:lvl3pPr marL="566928" indent="-182880" algn="l" defTabSz="914400" rtl="0" eaLnBrk="1" latinLnBrk="0" hangingPunct="1">
+              <a:lnSpc>
+                <a:spcPct val="100000"/>
+              </a:lnSpc>
+              <a:spcBef>
+                <a:spcPts val="200"/>
+              </a:spcBef>
+              <a:spcAft>
+                <a:spcPts val="400"/>
+              </a:spcAft>
+              <a:buClrTx/>
+              <a:buFont typeface="Calibri" pitchFamily="34" charset="0"/>
+              <a:buChar char="◦"/>
+              <a:defRPr sz="1400" kern="1200">
+                <a:solidFill>
+                  <a:schemeClr val="tx1">
+                    <a:lumMod val="75000"/>
+                    <a:lumOff val="25000"/>
+                  </a:schemeClr>
+                </a:solidFill>
+                <a:latin typeface="+mn-lt"/>
+                <a:ea typeface="+mn-ea"/>
+                <a:cs typeface="+mn-cs"/>
+              </a:defRPr>
+            </a:lvl3pPr>
+            <a:lvl4pPr marL="749808" indent="-182880" algn="l" defTabSz="914400" rtl="0" eaLnBrk="1" latinLnBrk="0" hangingPunct="1">
+              <a:lnSpc>
+                <a:spcPct val="100000"/>
+              </a:lnSpc>
+              <a:spcBef>
+                <a:spcPts val="200"/>
+              </a:spcBef>
+              <a:spcAft>
+                <a:spcPts val="400"/>
+              </a:spcAft>
+              <a:buClrTx/>
+              <a:buFont typeface="Calibri" pitchFamily="34" charset="0"/>
+              <a:buChar char="◦"/>
+              <a:defRPr sz="1400" kern="1200">
+                <a:solidFill>
+                  <a:schemeClr val="tx1">
+                    <a:lumMod val="75000"/>
+                    <a:lumOff val="25000"/>
+                  </a:schemeClr>
+                </a:solidFill>
+                <a:latin typeface="+mn-lt"/>
+                <a:ea typeface="+mn-ea"/>
+                <a:cs typeface="+mn-cs"/>
+              </a:defRPr>
+            </a:lvl4pPr>
+            <a:lvl5pPr marL="932688" indent="-182880" algn="l" defTabSz="914400" rtl="0" eaLnBrk="1" latinLnBrk="0" hangingPunct="1">
+              <a:lnSpc>
+                <a:spcPct val="100000"/>
+              </a:lnSpc>
+              <a:spcBef>
+                <a:spcPts val="200"/>
+              </a:spcBef>
+              <a:spcAft>
+                <a:spcPts val="400"/>
+              </a:spcAft>
+              <a:buClrTx/>
+              <a:buFont typeface="Calibri" pitchFamily="34" charset="0"/>
+              <a:buChar char="◦"/>
+              <a:defRPr sz="1400" kern="1200">
+                <a:solidFill>
+                  <a:schemeClr val="tx1">
+                    <a:lumMod val="75000"/>
+                    <a:lumOff val="25000"/>
+                  </a:schemeClr>
+                </a:solidFill>
+                <a:latin typeface="+mn-lt"/>
+                <a:ea typeface="+mn-ea"/>
+                <a:cs typeface="+mn-cs"/>
+              </a:defRPr>
+            </a:lvl5pPr>
+            <a:lvl6pPr marL="1100000" indent="-228600" algn="l" defTabSz="914400" rtl="0" eaLnBrk="1" latinLnBrk="0" hangingPunct="1">
+              <a:lnSpc>
+                <a:spcPct val="90000"/>
+              </a:lnSpc>
+              <a:spcBef>
+                <a:spcPts val="200"/>
+              </a:spcBef>
+              <a:spcAft>
+                <a:spcPts val="400"/>
+              </a:spcAft>
+              <a:buClr>
+                <a:schemeClr val="accent1"/>
+              </a:buClr>
+              <a:buFont typeface="Calibri" pitchFamily="34" charset="0"/>
+              <a:buChar char="◦"/>
+              <a:defRPr sz="1400" kern="1200">
+                <a:solidFill>
+                  <a:schemeClr val="tx1">
+                    <a:lumMod val="75000"/>
+                    <a:lumOff val="25000"/>
+                  </a:schemeClr>
+                </a:solidFill>
+                <a:latin typeface="+mn-lt"/>
+                <a:ea typeface="+mn-ea"/>
+                <a:cs typeface="+mn-cs"/>
+              </a:defRPr>
+            </a:lvl6pPr>
+            <a:lvl7pPr marL="1300000" indent="-228600" algn="l" defTabSz="914400" rtl="0" eaLnBrk="1" latinLnBrk="0" hangingPunct="1">
+              <a:lnSpc>
+                <a:spcPct val="90000"/>
+              </a:lnSpc>
+              <a:spcBef>
+                <a:spcPts val="200"/>
+              </a:spcBef>
+              <a:spcAft>
+                <a:spcPts val="400"/>
+              </a:spcAft>
+              <a:buClr>
+                <a:schemeClr val="accent1"/>
+              </a:buClr>
+              <a:buFont typeface="Calibri" pitchFamily="34" charset="0"/>
+              <a:buChar char="◦"/>
+              <a:defRPr sz="1400" kern="1200">
+                <a:solidFill>
+                  <a:schemeClr val="tx1">
+                    <a:lumMod val="75000"/>
+                    <a:lumOff val="25000"/>
+                  </a:schemeClr>
+                </a:solidFill>
+                <a:latin typeface="+mn-lt"/>
+                <a:ea typeface="+mn-ea"/>
+                <a:cs typeface="+mn-cs"/>
+              </a:defRPr>
+            </a:lvl7pPr>
+            <a:lvl8pPr marL="1500000" indent="-228600" algn="l" defTabSz="914400" rtl="0" eaLnBrk="1" latinLnBrk="0" hangingPunct="1">
+              <a:lnSpc>
+                <a:spcPct val="90000"/>
+              </a:lnSpc>
+              <a:spcBef>
+                <a:spcPts val="200"/>
+              </a:spcBef>
+              <a:spcAft>
+                <a:spcPts val="400"/>
+              </a:spcAft>
+              <a:buClr>
+                <a:schemeClr val="accent1"/>
+              </a:buClr>
+              <a:buFont typeface="Calibri" pitchFamily="34" charset="0"/>
+              <a:buChar char="◦"/>
+              <a:defRPr sz="1400" kern="1200">
+                <a:solidFill>
+                  <a:schemeClr val="tx1">
+                    <a:lumMod val="75000"/>
+                    <a:lumOff val="25000"/>
+                  </a:schemeClr>
+                </a:solidFill>
+                <a:latin typeface="+mn-lt"/>
+                <a:ea typeface="+mn-ea"/>
+                <a:cs typeface="+mn-cs"/>
+              </a:defRPr>
+            </a:lvl8pPr>
+            <a:lvl9pPr marL="1700000" indent="-228600" algn="l" defTabSz="914400" rtl="0" eaLnBrk="1" latinLnBrk="0" hangingPunct="1">
+              <a:lnSpc>
+                <a:spcPct val="90000"/>
+              </a:lnSpc>
+              <a:spcBef>
+                <a:spcPts val="200"/>
+              </a:spcBef>
+              <a:spcAft>
+                <a:spcPts val="400"/>
+              </a:spcAft>
+              <a:buClr>
+                <a:schemeClr val="accent1"/>
+              </a:buClr>
+              <a:buFont typeface="Calibri" pitchFamily="34" charset="0"/>
+              <a:buChar char="◦"/>
+              <a:defRPr sz="1400" kern="1200">
+                <a:solidFill>
+                  <a:schemeClr val="tx1">
+                    <a:lumMod val="75000"/>
+                    <a:lumOff val="25000"/>
+                  </a:schemeClr>
+                </a:solidFill>
+                <a:latin typeface="+mn-lt"/>
+                <a:ea typeface="+mn-ea"/>
+                <a:cs typeface="+mn-cs"/>
+              </a:defRPr>
+            </a:lvl9pPr>
+          </a:lstStyle>
+          <a:p>
+            <a:r>
+              <a:rPr lang="es-CL" sz="2800" b="1" dirty="0"/>
+              <a:t>Sistemas de coordenadas en Lidiar </a:t>
+            </a:r>
+            <a:r>
+              <a:rPr lang="es-CL" sz="2800" b="1" dirty="0" err="1"/>
+              <a:t>Toolbox</a:t>
+            </a:r>
+            <a:r>
+              <a:rPr lang="es-CL" sz="2800" b="1" dirty="0"/>
+              <a:t>:</a:t>
+            </a:r>
+          </a:p>
+          <a:p>
+            <a:pPr>
+              <a:buFont typeface="Arial" panose="020B0604020202020204" pitchFamily="34" charset="0"/>
+              <a:buChar char="•"/>
+            </a:pPr>
+            <a:r>
+              <a:rPr lang="es-CL" b="1" dirty="0" err="1"/>
+              <a:t>World</a:t>
+            </a:r>
+            <a:r>
+              <a:rPr lang="es-CL" b="1" dirty="0"/>
+              <a:t> </a:t>
+            </a:r>
+            <a:r>
+              <a:rPr lang="es-CL" b="1" dirty="0" err="1"/>
+              <a:t>coordinate</a:t>
+            </a:r>
+            <a:r>
+              <a:rPr lang="es-CL" b="1" dirty="0"/>
+              <a:t> </a:t>
+            </a:r>
+            <a:r>
+              <a:rPr lang="es-CL" b="1" dirty="0" err="1"/>
+              <a:t>system</a:t>
+            </a:r>
+            <a:endParaRPr lang="es-CL" b="1" dirty="0"/>
+          </a:p>
+          <a:p>
+            <a:pPr>
+              <a:buFont typeface="Arial" panose="020B0604020202020204" pitchFamily="34" charset="0"/>
+              <a:buChar char="•"/>
+            </a:pPr>
+            <a:r>
+              <a:rPr lang="es-CL" b="1" dirty="0"/>
+              <a:t>Sensor </a:t>
+            </a:r>
+            <a:r>
+              <a:rPr lang="es-CL" b="1" dirty="0" err="1"/>
+              <a:t>coordinate</a:t>
+            </a:r>
+            <a:r>
+              <a:rPr lang="es-CL" b="1" dirty="0"/>
+              <a:t> </a:t>
+            </a:r>
+            <a:r>
+              <a:rPr lang="es-CL" b="1" dirty="0" err="1"/>
+              <a:t>System</a:t>
+            </a:r>
+            <a:endParaRPr lang="es-CL" b="1" dirty="0"/>
+          </a:p>
+          <a:p>
+            <a:pPr>
+              <a:buFont typeface="Arial" panose="020B0604020202020204" pitchFamily="34" charset="0"/>
+              <a:buChar char="•"/>
+            </a:pPr>
+            <a:endParaRPr lang="es-CL" b="1" dirty="0"/>
+          </a:p>
+          <a:p>
+            <a:pPr marL="0" indent="0">
+              <a:buNone/>
+            </a:pPr>
+            <a:endParaRPr lang="es-CL" dirty="0"/>
+          </a:p>
+        </p:txBody>
+      </p:sp>
+      <p:sp>
+        <p:nvSpPr>
+          <p:cNvPr id="8" name="Marcador de contenido 2">
+            <a:extLst>
+              <a:ext uri="{FF2B5EF4-FFF2-40B4-BE49-F238E27FC236}">
+                <a16:creationId xmlns:a16="http://schemas.microsoft.com/office/drawing/2014/main" id="{2D471A92-13F8-4E0E-E4B3-2EF98E2A1CC7}"/>
+              </a:ext>
+            </a:extLst>
+          </p:cNvPr>
+          <p:cNvSpPr txBox="1">
+            <a:spLocks/>
+          </p:cNvSpPr>
+          <p:nvPr/>
+        </p:nvSpPr>
+        <p:spPr>
+          <a:xfrm>
+            <a:off x="88929" y="6478802"/>
+            <a:ext cx="3005462" cy="389959"/>
+          </a:xfrm>
+          <a:prstGeom prst="rect">
+            <a:avLst/>
+          </a:prstGeom>
+        </p:spPr>
+        <p:txBody>
+          <a:bodyPr vert="horz" lIns="0" tIns="45720" rIns="0" bIns="45720" rtlCol="0">
+            <a:normAutofit lnSpcReduction="10000"/>
+          </a:bodyPr>
+          <a:lstStyle>
+            <a:lvl1pPr marL="91440" indent="-91440" algn="l" defTabSz="914400" rtl="0" eaLnBrk="1" latinLnBrk="0" hangingPunct="1">
+              <a:lnSpc>
+                <a:spcPct val="100000"/>
+              </a:lnSpc>
+              <a:spcBef>
+                <a:spcPts val="1200"/>
+              </a:spcBef>
+              <a:spcAft>
+                <a:spcPts val="200"/>
+              </a:spcAft>
+              <a:buClr>
+                <a:schemeClr val="accent1"/>
+              </a:buClr>
+              <a:buSzPct val="100000"/>
+              <a:buFont typeface="Calibri" panose="020F0502020204030204" pitchFamily="34" charset="0"/>
+              <a:buChar char=" "/>
+              <a:defRPr sz="2000" kern="1200">
+                <a:solidFill>
+                  <a:schemeClr val="tx1">
+                    <a:lumMod val="75000"/>
+                    <a:lumOff val="25000"/>
+                  </a:schemeClr>
+                </a:solidFill>
+                <a:latin typeface="+mn-lt"/>
+                <a:ea typeface="+mn-ea"/>
+                <a:cs typeface="+mn-cs"/>
+              </a:defRPr>
+            </a:lvl1pPr>
+            <a:lvl2pPr marL="384048" indent="-182880" algn="l" defTabSz="914400" rtl="0" eaLnBrk="1" latinLnBrk="0" hangingPunct="1">
+              <a:lnSpc>
+                <a:spcPct val="100000"/>
+              </a:lnSpc>
+              <a:spcBef>
+                <a:spcPts val="200"/>
+              </a:spcBef>
+              <a:spcAft>
+                <a:spcPts val="400"/>
+              </a:spcAft>
+              <a:buClrTx/>
+              <a:buFont typeface="Calibri" pitchFamily="34" charset="0"/>
+              <a:buChar char="◦"/>
+              <a:defRPr sz="1800" kern="1200">
+                <a:solidFill>
+                  <a:schemeClr val="tx1">
+                    <a:lumMod val="75000"/>
+                    <a:lumOff val="25000"/>
+                  </a:schemeClr>
+                </a:solidFill>
+                <a:latin typeface="+mn-lt"/>
+                <a:ea typeface="+mn-ea"/>
+                <a:cs typeface="+mn-cs"/>
+              </a:defRPr>
+            </a:lvl2pPr>
+            <a:lvl3pPr marL="566928" indent="-182880" algn="l" defTabSz="914400" rtl="0" eaLnBrk="1" latinLnBrk="0" hangingPunct="1">
+              <a:lnSpc>
+                <a:spcPct val="100000"/>
+              </a:lnSpc>
+              <a:spcBef>
+                <a:spcPts val="200"/>
+              </a:spcBef>
+              <a:spcAft>
+                <a:spcPts val="400"/>
+              </a:spcAft>
+              <a:buClrTx/>
+              <a:buFont typeface="Calibri" pitchFamily="34" charset="0"/>
+              <a:buChar char="◦"/>
+              <a:defRPr sz="1400" kern="1200">
+                <a:solidFill>
+                  <a:schemeClr val="tx1">
+                    <a:lumMod val="75000"/>
+                    <a:lumOff val="25000"/>
+                  </a:schemeClr>
+                </a:solidFill>
+                <a:latin typeface="+mn-lt"/>
+                <a:ea typeface="+mn-ea"/>
+                <a:cs typeface="+mn-cs"/>
+              </a:defRPr>
+            </a:lvl3pPr>
+            <a:lvl4pPr marL="749808" indent="-182880" algn="l" defTabSz="914400" rtl="0" eaLnBrk="1" latinLnBrk="0" hangingPunct="1">
+              <a:lnSpc>
+                <a:spcPct val="100000"/>
+              </a:lnSpc>
+              <a:spcBef>
+                <a:spcPts val="200"/>
+              </a:spcBef>
+              <a:spcAft>
+                <a:spcPts val="400"/>
+              </a:spcAft>
+              <a:buClrTx/>
+              <a:buFont typeface="Calibri" pitchFamily="34" charset="0"/>
+              <a:buChar char="◦"/>
+              <a:defRPr sz="1400" kern="1200">
+                <a:solidFill>
+                  <a:schemeClr val="tx1">
+                    <a:lumMod val="75000"/>
+                    <a:lumOff val="25000"/>
+                  </a:schemeClr>
+                </a:solidFill>
+                <a:latin typeface="+mn-lt"/>
+                <a:ea typeface="+mn-ea"/>
+                <a:cs typeface="+mn-cs"/>
+              </a:defRPr>
+            </a:lvl4pPr>
+            <a:lvl5pPr marL="932688" indent="-182880" algn="l" defTabSz="914400" rtl="0" eaLnBrk="1" latinLnBrk="0" hangingPunct="1">
+              <a:lnSpc>
+                <a:spcPct val="100000"/>
+              </a:lnSpc>
+              <a:spcBef>
+                <a:spcPts val="200"/>
+              </a:spcBef>
+              <a:spcAft>
+                <a:spcPts val="400"/>
+              </a:spcAft>
+              <a:buClrTx/>
+              <a:buFont typeface="Calibri" pitchFamily="34" charset="0"/>
+              <a:buChar char="◦"/>
+              <a:defRPr sz="1400" kern="1200">
+                <a:solidFill>
+                  <a:schemeClr val="tx1">
+                    <a:lumMod val="75000"/>
+                    <a:lumOff val="25000"/>
+                  </a:schemeClr>
+                </a:solidFill>
+                <a:latin typeface="+mn-lt"/>
+                <a:ea typeface="+mn-ea"/>
+                <a:cs typeface="+mn-cs"/>
+              </a:defRPr>
+            </a:lvl5pPr>
+            <a:lvl6pPr marL="1100000" indent="-228600" algn="l" defTabSz="914400" rtl="0" eaLnBrk="1" latinLnBrk="0" hangingPunct="1">
+              <a:lnSpc>
+                <a:spcPct val="90000"/>
+              </a:lnSpc>
+              <a:spcBef>
+                <a:spcPts val="200"/>
+              </a:spcBef>
+              <a:spcAft>
+                <a:spcPts val="400"/>
+              </a:spcAft>
+              <a:buClr>
+                <a:schemeClr val="accent1"/>
+              </a:buClr>
+              <a:buFont typeface="Calibri" pitchFamily="34" charset="0"/>
+              <a:buChar char="◦"/>
+              <a:defRPr sz="1400" kern="1200">
+                <a:solidFill>
+                  <a:schemeClr val="tx1">
+                    <a:lumMod val="75000"/>
+                    <a:lumOff val="25000"/>
+                  </a:schemeClr>
+                </a:solidFill>
+                <a:latin typeface="+mn-lt"/>
+                <a:ea typeface="+mn-ea"/>
+                <a:cs typeface="+mn-cs"/>
+              </a:defRPr>
+            </a:lvl6pPr>
+            <a:lvl7pPr marL="1300000" indent="-228600" algn="l" defTabSz="914400" rtl="0" eaLnBrk="1" latinLnBrk="0" hangingPunct="1">
+              <a:lnSpc>
+                <a:spcPct val="90000"/>
+              </a:lnSpc>
+              <a:spcBef>
+                <a:spcPts val="200"/>
+              </a:spcBef>
+              <a:spcAft>
+                <a:spcPts val="400"/>
+              </a:spcAft>
+              <a:buClr>
+                <a:schemeClr val="accent1"/>
+              </a:buClr>
+              <a:buFont typeface="Calibri" pitchFamily="34" charset="0"/>
+              <a:buChar char="◦"/>
+              <a:defRPr sz="1400" kern="1200">
+                <a:solidFill>
+                  <a:schemeClr val="tx1">
+                    <a:lumMod val="75000"/>
+                    <a:lumOff val="25000"/>
+                  </a:schemeClr>
+                </a:solidFill>
+                <a:latin typeface="+mn-lt"/>
+                <a:ea typeface="+mn-ea"/>
+                <a:cs typeface="+mn-cs"/>
+              </a:defRPr>
+            </a:lvl7pPr>
+            <a:lvl8pPr marL="1500000" indent="-228600" algn="l" defTabSz="914400" rtl="0" eaLnBrk="1" latinLnBrk="0" hangingPunct="1">
+              <a:lnSpc>
+                <a:spcPct val="90000"/>
+              </a:lnSpc>
+              <a:spcBef>
+                <a:spcPts val="200"/>
+              </a:spcBef>
+              <a:spcAft>
+                <a:spcPts val="400"/>
+              </a:spcAft>
+              <a:buClr>
+                <a:schemeClr val="accent1"/>
+              </a:buClr>
+              <a:buFont typeface="Calibri" pitchFamily="34" charset="0"/>
+              <a:buChar char="◦"/>
+              <a:defRPr sz="1400" kern="1200">
+                <a:solidFill>
+                  <a:schemeClr val="tx1">
+                    <a:lumMod val="75000"/>
+                    <a:lumOff val="25000"/>
+                  </a:schemeClr>
+                </a:solidFill>
+                <a:latin typeface="+mn-lt"/>
+                <a:ea typeface="+mn-ea"/>
+                <a:cs typeface="+mn-cs"/>
+              </a:defRPr>
+            </a:lvl8pPr>
+            <a:lvl9pPr marL="1700000" indent="-228600" algn="l" defTabSz="914400" rtl="0" eaLnBrk="1" latinLnBrk="0" hangingPunct="1">
+              <a:lnSpc>
+                <a:spcPct val="90000"/>
+              </a:lnSpc>
+              <a:spcBef>
+                <a:spcPts val="200"/>
+              </a:spcBef>
+              <a:spcAft>
+                <a:spcPts val="400"/>
+              </a:spcAft>
+              <a:buClr>
+                <a:schemeClr val="accent1"/>
+              </a:buClr>
+              <a:buFont typeface="Calibri" pitchFamily="34" charset="0"/>
+              <a:buChar char="◦"/>
+              <a:defRPr sz="1400" kern="1200">
+                <a:solidFill>
+                  <a:schemeClr val="tx1">
+                    <a:lumMod val="75000"/>
+                    <a:lumOff val="25000"/>
+                  </a:schemeClr>
+                </a:solidFill>
+                <a:latin typeface="+mn-lt"/>
+                <a:ea typeface="+mn-ea"/>
+                <a:cs typeface="+mn-cs"/>
+              </a:defRPr>
+            </a:lvl9pPr>
+          </a:lstStyle>
+          <a:p>
+            <a:r>
+              <a:rPr lang="en-US" sz="1800" dirty="0">
+                <a:solidFill>
+                  <a:srgbClr val="FFFFFF"/>
+                </a:solidFill>
+              </a:rPr>
+              <a:t>5/N</a:t>
+            </a:r>
+          </a:p>
+          <a:p>
+            <a:pPr marL="0" indent="0">
+              <a:buFont typeface="Calibri" panose="020F0502020204030204" pitchFamily="34" charset="0"/>
+              <a:buNone/>
+            </a:pPr>
+            <a:endParaRPr lang="en-US" sz="1800" dirty="0">
+              <a:solidFill>
+                <a:srgbClr val="FFFFFF"/>
+              </a:solidFill>
+            </a:endParaRPr>
+          </a:p>
+        </p:txBody>
+      </p:sp>
+    </p:spTree>
+    <p:extLst>
+      <p:ext uri="{BB962C8B-B14F-4D97-AF65-F5344CB8AC3E}">
+        <p14:creationId xmlns:p14="http://schemas.microsoft.com/office/powerpoint/2010/main" val="4275927846"/>
       </p:ext>
     </p:extLst>
   </p:cSld>
